--- a/trunk/Presentacion.pptx
+++ b/trunk/Presentacion.pptx
@@ -133,6 +133,825 @@
     </p:ext>
   </p:extLst>
 </p:presentation>
+</file>
+
+<file path=ppt/charts/chart1.xml><?xml version="1.0" encoding="utf-8"?>
+<c:chartSpace xmlns:c="http://schemas.openxmlformats.org/drawingml/2006/chart" xmlns:a="http://schemas.openxmlformats.org/drawingml/2006/main" xmlns:r="http://schemas.openxmlformats.org/officeDocument/2006/relationships">
+  <c:date1904 val="0"/>
+  <c:lang val="en-US"/>
+  <c:roundedCorners val="0"/>
+  <mc:AlternateContent xmlns:mc="http://schemas.openxmlformats.org/markup-compatibility/2006">
+    <mc:Choice xmlns:c14="http://schemas.microsoft.com/office/drawing/2007/8/2/chart" Requires="c14">
+      <c14:style val="102"/>
+    </mc:Choice>
+    <mc:Fallback>
+      <c:style val="2"/>
+    </mc:Fallback>
+  </mc:AlternateContent>
+  <c:chart>
+    <c:title>
+      <c:layout/>
+      <c:overlay val="0"/>
+      <c:spPr>
+        <a:noFill/>
+        <a:ln>
+          <a:noFill/>
+        </a:ln>
+        <a:effectLst/>
+      </c:spPr>
+      <c:txPr>
+        <a:bodyPr rot="0" spcFirstLastPara="1" vertOverflow="ellipsis" vert="horz" wrap="square" anchor="ctr" anchorCtr="1"/>
+        <a:lstStyle/>
+        <a:p>
+          <a:pPr>
+            <a:defRPr sz="2128" b="1" i="0" u="none" strike="noStrike" kern="1200" baseline="0">
+              <a:solidFill>
+                <a:schemeClr val="tx2"/>
+              </a:solidFill>
+              <a:latin typeface="+mn-lt"/>
+              <a:ea typeface="+mn-ea"/>
+              <a:cs typeface="+mn-cs"/>
+            </a:defRPr>
+          </a:pPr>
+          <a:endParaRPr lang="es-AR"/>
+        </a:p>
+      </c:txPr>
+    </c:title>
+    <c:autoTitleDeleted val="0"/>
+    <c:plotArea>
+      <c:layout/>
+      <c:barChart>
+        <c:barDir val="col"/>
+        <c:grouping val="clustered"/>
+        <c:varyColors val="0"/>
+        <c:ser>
+          <c:idx val="0"/>
+          <c:order val="0"/>
+          <c:tx>
+            <c:strRef>
+              <c:f>Sheet1!$B$1</c:f>
+              <c:strCache>
+                <c:ptCount val="1"/>
+                <c:pt idx="0">
+                  <c:v>Diferencia del estimado</c:v>
+                </c:pt>
+              </c:strCache>
+            </c:strRef>
+          </c:tx>
+          <c:spPr>
+            <a:gradFill rotWithShape="1">
+              <a:gsLst>
+                <a:gs pos="0">
+                  <a:schemeClr val="accent1">
+                    <a:tint val="97000"/>
+                    <a:satMod val="100000"/>
+                    <a:lumMod val="102000"/>
+                  </a:schemeClr>
+                </a:gs>
+                <a:gs pos="50000">
+                  <a:schemeClr val="accent1">
+                    <a:shade val="100000"/>
+                    <a:satMod val="100000"/>
+                    <a:lumMod val="100000"/>
+                  </a:schemeClr>
+                </a:gs>
+                <a:gs pos="100000">
+                  <a:schemeClr val="accent1">
+                    <a:shade val="80000"/>
+                    <a:satMod val="100000"/>
+                    <a:lumMod val="99000"/>
+                  </a:schemeClr>
+                </a:gs>
+              </a:gsLst>
+              <a:lin ang="2700000" scaled="0"/>
+            </a:gradFill>
+            <a:ln>
+              <a:noFill/>
+            </a:ln>
+            <a:effectLst/>
+          </c:spPr>
+          <c:invertIfNegative val="0"/>
+          <c:cat>
+            <c:strRef>
+              <c:f>Sheet1!$A$2:$A$4</c:f>
+              <c:strCache>
+                <c:ptCount val="3"/>
+                <c:pt idx="0">
+                  <c:v>Sprint 3</c:v>
+                </c:pt>
+                <c:pt idx="1">
+                  <c:v>Sprint 4</c:v>
+                </c:pt>
+                <c:pt idx="2">
+                  <c:v>Sprint 5</c:v>
+                </c:pt>
+              </c:strCache>
+            </c:strRef>
+          </c:cat>
+          <c:val>
+            <c:numRef>
+              <c:f>Sheet1!$B$2:$B$4</c:f>
+              <c:numCache>
+                <c:formatCode>General</c:formatCode>
+                <c:ptCount val="3"/>
+                <c:pt idx="0">
+                  <c:v>14</c:v>
+                </c:pt>
+                <c:pt idx="1">
+                  <c:v>15</c:v>
+                </c:pt>
+                <c:pt idx="2">
+                  <c:v>5</c:v>
+                </c:pt>
+              </c:numCache>
+            </c:numRef>
+          </c:val>
+        </c:ser>
+        <c:dLbls>
+          <c:showLegendKey val="0"/>
+          <c:showVal val="0"/>
+          <c:showCatName val="0"/>
+          <c:showSerName val="0"/>
+          <c:showPercent val="0"/>
+          <c:showBubbleSize val="0"/>
+        </c:dLbls>
+        <c:gapWidth val="100"/>
+        <c:overlap val="-24"/>
+        <c:axId val="238477216"/>
+        <c:axId val="238477776"/>
+      </c:barChart>
+      <c:catAx>
+        <c:axId val="238477216"/>
+        <c:scaling>
+          <c:orientation val="minMax"/>
+        </c:scaling>
+        <c:delete val="0"/>
+        <c:axPos val="b"/>
+        <c:numFmt formatCode="General" sourceLinked="1"/>
+        <c:majorTickMark val="none"/>
+        <c:minorTickMark val="none"/>
+        <c:tickLblPos val="nextTo"/>
+        <c:spPr>
+          <a:noFill/>
+          <a:ln w="9525" cap="flat" cmpd="sng" algn="ctr">
+            <a:solidFill>
+              <a:schemeClr val="tx2">
+                <a:lumMod val="15000"/>
+                <a:lumOff val="85000"/>
+              </a:schemeClr>
+            </a:solidFill>
+            <a:round/>
+          </a:ln>
+          <a:effectLst/>
+        </c:spPr>
+        <c:txPr>
+          <a:bodyPr rot="-60000000" spcFirstLastPara="1" vertOverflow="ellipsis" vert="horz" wrap="square" anchor="ctr" anchorCtr="1"/>
+          <a:lstStyle/>
+          <a:p>
+            <a:pPr>
+              <a:defRPr sz="1197" b="0" i="0" u="none" strike="noStrike" kern="1200" baseline="0">
+                <a:solidFill>
+                  <a:schemeClr val="tx2"/>
+                </a:solidFill>
+                <a:latin typeface="+mn-lt"/>
+                <a:ea typeface="+mn-ea"/>
+                <a:cs typeface="+mn-cs"/>
+              </a:defRPr>
+            </a:pPr>
+            <a:endParaRPr lang="es-AR"/>
+          </a:p>
+        </c:txPr>
+        <c:crossAx val="238477776"/>
+        <c:crosses val="autoZero"/>
+        <c:auto val="1"/>
+        <c:lblAlgn val="ctr"/>
+        <c:lblOffset val="100"/>
+        <c:noMultiLvlLbl val="0"/>
+      </c:catAx>
+      <c:valAx>
+        <c:axId val="238477776"/>
+        <c:scaling>
+          <c:orientation val="minMax"/>
+        </c:scaling>
+        <c:delete val="0"/>
+        <c:axPos val="l"/>
+        <c:majorGridlines>
+          <c:spPr>
+            <a:ln w="9525" cap="flat" cmpd="sng" algn="ctr">
+              <a:solidFill>
+                <a:schemeClr val="tx2">
+                  <a:lumMod val="15000"/>
+                  <a:lumOff val="85000"/>
+                </a:schemeClr>
+              </a:solidFill>
+              <a:round/>
+            </a:ln>
+            <a:effectLst/>
+          </c:spPr>
+        </c:majorGridlines>
+        <c:numFmt formatCode="General" sourceLinked="1"/>
+        <c:majorTickMark val="none"/>
+        <c:minorTickMark val="none"/>
+        <c:tickLblPos val="nextTo"/>
+        <c:spPr>
+          <a:noFill/>
+          <a:ln>
+            <a:noFill/>
+          </a:ln>
+          <a:effectLst/>
+        </c:spPr>
+        <c:txPr>
+          <a:bodyPr rot="-60000000" spcFirstLastPara="1" vertOverflow="ellipsis" vert="horz" wrap="square" anchor="ctr" anchorCtr="1"/>
+          <a:lstStyle/>
+          <a:p>
+            <a:pPr>
+              <a:defRPr sz="1197" b="0" i="0" u="none" strike="noStrike" kern="1200" baseline="0">
+                <a:solidFill>
+                  <a:schemeClr val="tx2"/>
+                </a:solidFill>
+                <a:latin typeface="+mn-lt"/>
+                <a:ea typeface="+mn-ea"/>
+                <a:cs typeface="+mn-cs"/>
+              </a:defRPr>
+            </a:pPr>
+            <a:endParaRPr lang="es-AR"/>
+          </a:p>
+        </c:txPr>
+        <c:crossAx val="238477216"/>
+        <c:crosses val="autoZero"/>
+        <c:crossBetween val="between"/>
+      </c:valAx>
+      <c:spPr>
+        <a:noFill/>
+        <a:ln>
+          <a:noFill/>
+        </a:ln>
+        <a:effectLst/>
+      </c:spPr>
+    </c:plotArea>
+    <c:legend>
+      <c:legendPos val="b"/>
+      <c:layout/>
+      <c:overlay val="0"/>
+      <c:spPr>
+        <a:noFill/>
+        <a:ln>
+          <a:noFill/>
+        </a:ln>
+        <a:effectLst/>
+      </c:spPr>
+      <c:txPr>
+        <a:bodyPr rot="0" spcFirstLastPara="1" vertOverflow="ellipsis" vert="horz" wrap="square" anchor="ctr" anchorCtr="1"/>
+        <a:lstStyle/>
+        <a:p>
+          <a:pPr>
+            <a:defRPr sz="1197" b="0" i="0" u="none" strike="noStrike" kern="1200" baseline="0">
+              <a:solidFill>
+                <a:schemeClr val="tx2"/>
+              </a:solidFill>
+              <a:latin typeface="+mn-lt"/>
+              <a:ea typeface="+mn-ea"/>
+              <a:cs typeface="+mn-cs"/>
+            </a:defRPr>
+          </a:pPr>
+          <a:endParaRPr lang="es-AR"/>
+        </a:p>
+      </c:txPr>
+    </c:legend>
+    <c:plotVisOnly val="1"/>
+    <c:dispBlanksAs val="gap"/>
+    <c:showDLblsOverMax val="0"/>
+  </c:chart>
+  <c:spPr>
+    <a:noFill/>
+    <a:ln>
+      <a:noFill/>
+    </a:ln>
+    <a:effectLst/>
+  </c:spPr>
+  <c:txPr>
+    <a:bodyPr/>
+    <a:lstStyle/>
+    <a:p>
+      <a:pPr>
+        <a:defRPr/>
+      </a:pPr>
+      <a:endParaRPr lang="es-AR"/>
+    </a:p>
+  </c:txPr>
+  <c:externalData r:id="rId3">
+    <c:autoUpdate val="0"/>
+  </c:externalData>
+</c:chartSpace>
+</file>
+
+<file path=ppt/charts/colors1.xml><?xml version="1.0" encoding="utf-8"?>
+<cs:colorStyle xmlns:cs="http://schemas.microsoft.com/office/drawing/2012/chartStyle" xmlns:a="http://schemas.openxmlformats.org/drawingml/2006/main" meth="cycle" id="10">
+  <a:schemeClr val="accent1"/>
+  <a:schemeClr val="accent2"/>
+  <a:schemeClr val="accent3"/>
+  <a:schemeClr val="accent4"/>
+  <a:schemeClr val="accent5"/>
+  <a:schemeClr val="accent6"/>
+  <cs:variation/>
+  <cs:variation>
+    <a:lumMod val="60000"/>
+  </cs:variation>
+  <cs:variation>
+    <a:lumMod val="80000"/>
+    <a:lumOff val="20000"/>
+  </cs:variation>
+  <cs:variation>
+    <a:lumMod val="80000"/>
+  </cs:variation>
+  <cs:variation>
+    <a:lumMod val="60000"/>
+    <a:lumOff val="40000"/>
+  </cs:variation>
+  <cs:variation>
+    <a:lumMod val="50000"/>
+  </cs:variation>
+  <cs:variation>
+    <a:lumMod val="70000"/>
+    <a:lumOff val="30000"/>
+  </cs:variation>
+  <cs:variation>
+    <a:lumMod val="70000"/>
+  </cs:variation>
+  <cs:variation>
+    <a:lumMod val="50000"/>
+    <a:lumOff val="50000"/>
+  </cs:variation>
+</cs:colorStyle>
+</file>
+
+<file path=ppt/charts/style1.xml><?xml version="1.0" encoding="utf-8"?>
+<cs:chartStyle xmlns:cs="http://schemas.microsoft.com/office/drawing/2012/chartStyle" xmlns:a="http://schemas.openxmlformats.org/drawingml/2006/main" id="207">
+  <cs:axisTitle>
+    <cs:lnRef idx="0"/>
+    <cs:fillRef idx="0"/>
+    <cs:effectRef idx="0"/>
+    <cs:fontRef idx="minor">
+      <a:schemeClr val="tx2"/>
+    </cs:fontRef>
+    <cs:defRPr sz="1197" b="1" kern="1200"/>
+  </cs:axisTitle>
+  <cs:categoryAxis>
+    <cs:lnRef idx="0"/>
+    <cs:fillRef idx="0"/>
+    <cs:effectRef idx="0"/>
+    <cs:fontRef idx="minor">
+      <a:schemeClr val="tx2"/>
+    </cs:fontRef>
+    <cs:spPr>
+      <a:ln w="9525" cap="flat" cmpd="sng" algn="ctr">
+        <a:solidFill>
+          <a:schemeClr val="tx2">
+            <a:lumMod val="15000"/>
+            <a:lumOff val="85000"/>
+          </a:schemeClr>
+        </a:solidFill>
+        <a:round/>
+      </a:ln>
+    </cs:spPr>
+    <cs:defRPr sz="1197" kern="1200"/>
+  </cs:categoryAxis>
+  <cs:chartArea mods="allowNoFillOverride allowNoLineOverride">
+    <cs:lnRef idx="0"/>
+    <cs:fillRef idx="0"/>
+    <cs:effectRef idx="0"/>
+    <cs:fontRef idx="minor">
+      <a:schemeClr val="tx2"/>
+    </cs:fontRef>
+    <cs:spPr>
+      <a:solidFill>
+        <a:schemeClr val="bg1"/>
+      </a:solidFill>
+      <a:ln w="9525" cap="flat" cmpd="sng" algn="ctr">
+        <a:solidFill>
+          <a:schemeClr val="tx2">
+            <a:lumMod val="15000"/>
+            <a:lumOff val="85000"/>
+          </a:schemeClr>
+        </a:solidFill>
+        <a:round/>
+      </a:ln>
+    </cs:spPr>
+    <cs:defRPr sz="1197" kern="1200"/>
+  </cs:chartArea>
+  <cs:dataLabel>
+    <cs:lnRef idx="0"/>
+    <cs:fillRef idx="0"/>
+    <cs:effectRef idx="0"/>
+    <cs:fontRef idx="minor">
+      <a:schemeClr val="tx2"/>
+    </cs:fontRef>
+    <cs:defRPr sz="1197" kern="1200"/>
+  </cs:dataLabel>
+  <cs:dataLabelCallout>
+    <cs:lnRef idx="0"/>
+    <cs:fillRef idx="0"/>
+    <cs:effectRef idx="0"/>
+    <cs:fontRef idx="minor">
+      <a:schemeClr val="dk2">
+        <a:lumMod val="75000"/>
+      </a:schemeClr>
+    </cs:fontRef>
+    <cs:spPr>
+      <a:solidFill>
+        <a:schemeClr val="lt1"/>
+      </a:solidFill>
+      <a:ln>
+        <a:solidFill>
+          <a:schemeClr val="dk1">
+            <a:lumMod val="25000"/>
+            <a:lumOff val="75000"/>
+          </a:schemeClr>
+        </a:solidFill>
+      </a:ln>
+    </cs:spPr>
+    <cs:defRPr sz="1197" kern="1200"/>
+    <cs:bodyPr rot="0" spcFirstLastPara="1" vertOverflow="clip" horzOverflow="clip" vert="horz" wrap="square" lIns="36576" tIns="18288" rIns="36576" bIns="18288" anchor="ctr" anchorCtr="1">
+      <a:spAutoFit/>
+    </cs:bodyPr>
+  </cs:dataLabelCallout>
+  <cs:dataPoint>
+    <cs:lnRef idx="0"/>
+    <cs:fillRef idx="3">
+      <cs:styleClr val="auto"/>
+    </cs:fillRef>
+    <cs:effectRef idx="2"/>
+    <cs:fontRef idx="minor">
+      <a:schemeClr val="tx2"/>
+    </cs:fontRef>
+  </cs:dataPoint>
+  <cs:dataPoint3D>
+    <cs:lnRef idx="0"/>
+    <cs:fillRef idx="3">
+      <cs:styleClr val="auto"/>
+    </cs:fillRef>
+    <cs:effectRef idx="2"/>
+    <cs:fontRef idx="minor">
+      <a:schemeClr val="tx2"/>
+    </cs:fontRef>
+  </cs:dataPoint3D>
+  <cs:dataPointLine>
+    <cs:lnRef idx="0">
+      <cs:styleClr val="auto"/>
+    </cs:lnRef>
+    <cs:fillRef idx="3"/>
+    <cs:effectRef idx="2"/>
+    <cs:fontRef idx="minor">
+      <a:schemeClr val="tx2"/>
+    </cs:fontRef>
+    <cs:spPr>
+      <a:ln w="31750" cap="rnd">
+        <a:solidFill>
+          <a:schemeClr val="phClr"/>
+        </a:solidFill>
+        <a:round/>
+      </a:ln>
+    </cs:spPr>
+  </cs:dataPointLine>
+  <cs:dataPointMarker>
+    <cs:lnRef idx="0"/>
+    <cs:fillRef idx="3">
+      <cs:styleClr val="auto"/>
+    </cs:fillRef>
+    <cs:effectRef idx="2"/>
+    <cs:fontRef idx="minor">
+      <a:schemeClr val="tx2"/>
+    </cs:fontRef>
+    <cs:spPr>
+      <a:ln w="12700">
+        <a:solidFill>
+          <a:schemeClr val="lt2"/>
+        </a:solidFill>
+        <a:round/>
+      </a:ln>
+    </cs:spPr>
+  </cs:dataPointMarker>
+  <cs:dataPointMarkerLayout symbol="circle" size="6"/>
+  <cs:dataPointWireframe>
+    <cs:lnRef idx="0">
+      <cs:styleClr val="auto"/>
+    </cs:lnRef>
+    <cs:fillRef idx="3"/>
+    <cs:effectRef idx="2"/>
+    <cs:fontRef idx="minor">
+      <a:schemeClr val="tx2"/>
+    </cs:fontRef>
+    <cs:spPr>
+      <a:ln w="9525" cap="rnd">
+        <a:solidFill>
+          <a:schemeClr val="phClr"/>
+        </a:solidFill>
+        <a:round/>
+      </a:ln>
+    </cs:spPr>
+  </cs:dataPointWireframe>
+  <cs:dataTable>
+    <cs:lnRef idx="0"/>
+    <cs:fillRef idx="0"/>
+    <cs:effectRef idx="0"/>
+    <cs:fontRef idx="minor">
+      <a:schemeClr val="tx2"/>
+    </cs:fontRef>
+    <cs:spPr>
+      <a:ln w="9525">
+        <a:solidFill>
+          <a:schemeClr val="tx2">
+            <a:lumMod val="15000"/>
+            <a:lumOff val="85000"/>
+          </a:schemeClr>
+        </a:solidFill>
+      </a:ln>
+    </cs:spPr>
+    <cs:defRPr sz="1197" kern="1200"/>
+  </cs:dataTable>
+  <cs:downBar>
+    <cs:lnRef idx="0"/>
+    <cs:fillRef idx="0"/>
+    <cs:effectRef idx="0"/>
+    <cs:fontRef idx="minor">
+      <a:schemeClr val="dk1"/>
+    </cs:fontRef>
+    <cs:spPr>
+      <a:solidFill>
+        <a:schemeClr val="dk1">
+          <a:lumMod val="65000"/>
+          <a:lumOff val="35000"/>
+        </a:schemeClr>
+      </a:solidFill>
+      <a:ln w="9525">
+        <a:solidFill>
+          <a:schemeClr val="tx1">
+            <a:lumMod val="65000"/>
+            <a:lumOff val="35000"/>
+          </a:schemeClr>
+        </a:solidFill>
+      </a:ln>
+    </cs:spPr>
+  </cs:downBar>
+  <cs:dropLine>
+    <cs:lnRef idx="0"/>
+    <cs:fillRef idx="0"/>
+    <cs:effectRef idx="0"/>
+    <cs:fontRef idx="minor">
+      <a:schemeClr val="tx2"/>
+    </cs:fontRef>
+    <cs:spPr>
+      <a:ln w="9525">
+        <a:solidFill>
+          <a:schemeClr val="tx2">
+            <a:lumMod val="60000"/>
+            <a:lumOff val="40000"/>
+          </a:schemeClr>
+        </a:solidFill>
+        <a:prstDash val="dash"/>
+      </a:ln>
+    </cs:spPr>
+  </cs:dropLine>
+  <cs:errorBar>
+    <cs:lnRef idx="0"/>
+    <cs:fillRef idx="0"/>
+    <cs:effectRef idx="0"/>
+    <cs:fontRef idx="minor">
+      <a:schemeClr val="tx2"/>
+    </cs:fontRef>
+    <cs:spPr>
+      <a:ln w="9525">
+        <a:solidFill>
+          <a:schemeClr val="tx2">
+            <a:lumMod val="75000"/>
+            <a:lumOff val="25000"/>
+          </a:schemeClr>
+        </a:solidFill>
+        <a:round/>
+      </a:ln>
+    </cs:spPr>
+  </cs:errorBar>
+  <cs:floor>
+    <cs:lnRef idx="0"/>
+    <cs:fillRef idx="0"/>
+    <cs:effectRef idx="0"/>
+    <cs:fontRef idx="minor">
+      <a:schemeClr val="tx2"/>
+    </cs:fontRef>
+  </cs:floor>
+  <cs:gridlineMajor>
+    <cs:lnRef idx="0"/>
+    <cs:fillRef idx="0"/>
+    <cs:effectRef idx="0"/>
+    <cs:fontRef idx="minor">
+      <a:schemeClr val="tx2"/>
+    </cs:fontRef>
+    <cs:spPr>
+      <a:ln w="9525" cap="flat" cmpd="sng" algn="ctr">
+        <a:solidFill>
+          <a:schemeClr val="tx2">
+            <a:lumMod val="15000"/>
+            <a:lumOff val="85000"/>
+          </a:schemeClr>
+        </a:solidFill>
+        <a:round/>
+      </a:ln>
+    </cs:spPr>
+  </cs:gridlineMajor>
+  <cs:gridlineMinor>
+    <cs:lnRef idx="0"/>
+    <cs:fillRef idx="0"/>
+    <cs:effectRef idx="0"/>
+    <cs:fontRef idx="minor">
+      <a:schemeClr val="tx2"/>
+    </cs:fontRef>
+    <cs:spPr>
+      <a:ln>
+        <a:solidFill>
+          <a:schemeClr val="tx2">
+            <a:lumMod val="5000"/>
+            <a:lumOff val="95000"/>
+          </a:schemeClr>
+        </a:solidFill>
+      </a:ln>
+    </cs:spPr>
+  </cs:gridlineMinor>
+  <cs:hiLoLine>
+    <cs:lnRef idx="0"/>
+    <cs:fillRef idx="0"/>
+    <cs:effectRef idx="0"/>
+    <cs:fontRef idx="minor">
+      <a:schemeClr val="tx2"/>
+    </cs:fontRef>
+    <cs:spPr>
+      <a:ln w="9525">
+        <a:solidFill>
+          <a:schemeClr val="tx2">
+            <a:lumMod val="60000"/>
+            <a:lumOff val="40000"/>
+          </a:schemeClr>
+        </a:solidFill>
+        <a:prstDash val="dash"/>
+      </a:ln>
+    </cs:spPr>
+  </cs:hiLoLine>
+  <cs:leaderLine>
+    <cs:lnRef idx="0"/>
+    <cs:fillRef idx="0"/>
+    <cs:effectRef idx="0"/>
+    <cs:fontRef idx="minor">
+      <a:schemeClr val="tx2"/>
+    </cs:fontRef>
+    <cs:spPr>
+      <a:ln w="9525">
+        <a:solidFill>
+          <a:schemeClr val="tx2">
+            <a:lumMod val="35000"/>
+            <a:lumOff val="65000"/>
+          </a:schemeClr>
+        </a:solidFill>
+      </a:ln>
+    </cs:spPr>
+  </cs:leaderLine>
+  <cs:legend>
+    <cs:lnRef idx="0"/>
+    <cs:fillRef idx="0"/>
+    <cs:effectRef idx="0"/>
+    <cs:fontRef idx="minor">
+      <a:schemeClr val="tx2"/>
+    </cs:fontRef>
+    <cs:defRPr sz="1197" kern="1200"/>
+  </cs:legend>
+  <cs:plotArea>
+    <cs:lnRef idx="0"/>
+    <cs:fillRef idx="0"/>
+    <cs:effectRef idx="0"/>
+    <cs:fontRef idx="minor">
+      <a:schemeClr val="tx2"/>
+    </cs:fontRef>
+  </cs:plotArea>
+  <cs:plotArea3D>
+    <cs:lnRef idx="0"/>
+    <cs:fillRef idx="0"/>
+    <cs:effectRef idx="0"/>
+    <cs:fontRef idx="minor">
+      <a:schemeClr val="tx2"/>
+    </cs:fontRef>
+  </cs:plotArea3D>
+  <cs:seriesAxis>
+    <cs:lnRef idx="0"/>
+    <cs:fillRef idx="0"/>
+    <cs:effectRef idx="0"/>
+    <cs:fontRef idx="minor">
+      <a:schemeClr val="tx2"/>
+    </cs:fontRef>
+    <cs:spPr>
+      <a:ln w="9525" cap="flat" cmpd="sng" algn="ctr">
+        <a:solidFill>
+          <a:schemeClr val="tx2">
+            <a:lumMod val="15000"/>
+            <a:lumOff val="85000"/>
+          </a:schemeClr>
+        </a:solidFill>
+        <a:round/>
+      </a:ln>
+    </cs:spPr>
+    <cs:defRPr sz="1197" kern="1200"/>
+  </cs:seriesAxis>
+  <cs:seriesLine>
+    <cs:lnRef idx="0"/>
+    <cs:fillRef idx="0"/>
+    <cs:effectRef idx="0"/>
+    <cs:fontRef idx="minor">
+      <a:schemeClr val="tx2"/>
+    </cs:fontRef>
+    <cs:spPr>
+      <a:ln w="9525">
+        <a:solidFill>
+          <a:schemeClr val="tx2">
+            <a:lumMod val="60000"/>
+            <a:lumOff val="40000"/>
+          </a:schemeClr>
+        </a:solidFill>
+        <a:prstDash val="dash"/>
+      </a:ln>
+    </cs:spPr>
+  </cs:seriesLine>
+  <cs:title>
+    <cs:lnRef idx="0"/>
+    <cs:fillRef idx="0"/>
+    <cs:effectRef idx="0"/>
+    <cs:fontRef idx="minor">
+      <a:schemeClr val="tx2"/>
+    </cs:fontRef>
+    <cs:defRPr sz="2128" b="1" kern="1200"/>
+  </cs:title>
+  <cs:trendline>
+    <cs:lnRef idx="0">
+      <cs:styleClr val="auto"/>
+    </cs:lnRef>
+    <cs:fillRef idx="0"/>
+    <cs:effectRef idx="0"/>
+    <cs:fontRef idx="minor">
+      <a:schemeClr val="tx2"/>
+    </cs:fontRef>
+    <cs:spPr>
+      <a:ln w="19050" cap="rnd">
+        <a:solidFill>
+          <a:schemeClr val="phClr"/>
+        </a:solidFill>
+        <a:prstDash val="sysDash"/>
+      </a:ln>
+    </cs:spPr>
+  </cs:trendline>
+  <cs:trendlineLabel>
+    <cs:lnRef idx="0"/>
+    <cs:fillRef idx="0"/>
+    <cs:effectRef idx="0"/>
+    <cs:fontRef idx="minor">
+      <a:schemeClr val="tx2"/>
+    </cs:fontRef>
+    <cs:defRPr sz="1197" kern="1200"/>
+  </cs:trendlineLabel>
+  <cs:upBar>
+    <cs:lnRef idx="0"/>
+    <cs:fillRef idx="0"/>
+    <cs:effectRef idx="0"/>
+    <cs:fontRef idx="minor">
+      <a:schemeClr val="tx2"/>
+    </cs:fontRef>
+    <cs:spPr>
+      <a:solidFill>
+        <a:schemeClr val="lt1"/>
+      </a:solidFill>
+      <a:ln w="9525">
+        <a:solidFill>
+          <a:schemeClr val="tx1">
+            <a:lumMod val="15000"/>
+            <a:lumOff val="85000"/>
+          </a:schemeClr>
+        </a:solidFill>
+      </a:ln>
+    </cs:spPr>
+  </cs:upBar>
+  <cs:valueAxis>
+    <cs:lnRef idx="0"/>
+    <cs:fillRef idx="0"/>
+    <cs:effectRef idx="0"/>
+    <cs:fontRef idx="minor">
+      <a:schemeClr val="tx2"/>
+    </cs:fontRef>
+    <cs:defRPr sz="1197" kern="1200"/>
+  </cs:valueAxis>
+  <cs:wall>
+    <cs:lnRef idx="0"/>
+    <cs:fillRef idx="0"/>
+    <cs:effectRef idx="0"/>
+    <cs:fontRef idx="minor">
+      <a:schemeClr val="tx2"/>
+    </cs:fontRef>
+  </cs:wall>
+</cs:chartStyle>
 </file>
 
 <file path=ppt/slideLayouts/slideLayout1.xml><?xml version="1.0" encoding="utf-8"?>
@@ -3539,7 +4358,6 @@
               <a:rPr lang="es-AR" dirty="0" smtClean="0"/>
               <a:t>Mercedes Madeira</a:t>
             </a:r>
-            <a:endParaRPr lang="es-AR" dirty="0" smtClean="0"/>
           </a:p>
           <a:p>
             <a:pPr algn="l"/>
@@ -3656,6 +4474,202 @@
           <a:chExt cx="0" cy="0"/>
         </a:xfrm>
       </p:grpSpPr>
+      <p:graphicFrame>
+        <p:nvGraphicFramePr>
+          <p:cNvPr id="2" name="Table 1"/>
+          <p:cNvGraphicFramePr>
+            <a:graphicFrameLocks noGrp="1"/>
+          </p:cNvGraphicFramePr>
+          <p:nvPr>
+            <p:extLst>
+              <p:ext uri="{D42A27DB-BD31-4B8C-83A1-F6EECF244321}">
+                <p14:modId xmlns:p14="http://schemas.microsoft.com/office/powerpoint/2010/main" val="1824684204"/>
+              </p:ext>
+            </p:extLst>
+          </p:nvPr>
+        </p:nvGraphicFramePr>
+        <p:xfrm>
+          <a:off x="122518" y="3140136"/>
+          <a:ext cx="3548529" cy="1483360"/>
+        </p:xfrm>
+        <a:graphic>
+          <a:graphicData uri="http://schemas.openxmlformats.org/drawingml/2006/table">
+            <a:tbl>
+              <a:tblPr firstRow="1" bandRow="1">
+                <a:tableStyleId>{5C22544A-7EE6-4342-B048-85BDC9FD1C3A}</a:tableStyleId>
+              </a:tblPr>
+              <a:tblGrid>
+                <a:gridCol w="738094"/>
+                <a:gridCol w="2810435"/>
+              </a:tblGrid>
+              <a:tr h="370840">
+                <a:tc>
+                  <a:txBody>
+                    <a:bodyPr/>
+                    <a:lstStyle/>
+                    <a:p>
+                      <a:r>
+                        <a:rPr lang="en-US" dirty="0" smtClean="0"/>
+                        <a:t>Sprint</a:t>
+                      </a:r>
+                      <a:endParaRPr lang="es-AR" dirty="0"/>
+                    </a:p>
+                  </a:txBody>
+                  <a:tcPr/>
+                </a:tc>
+                <a:tc>
+                  <a:txBody>
+                    <a:bodyPr/>
+                    <a:lstStyle/>
+                    <a:p>
+                      <a:r>
+                        <a:rPr lang="en-US" dirty="0" err="1" smtClean="0"/>
+                        <a:t>Trabajo</a:t>
+                      </a:r>
+                      <a:r>
+                        <a:rPr lang="en-US" baseline="0" dirty="0" smtClean="0"/>
+                        <a:t> </a:t>
+                      </a:r>
+                      <a:r>
+                        <a:rPr lang="en-US" baseline="0" dirty="0" err="1" smtClean="0"/>
+                        <a:t>respecto</a:t>
+                      </a:r>
+                      <a:r>
+                        <a:rPr lang="en-US" baseline="0" dirty="0" smtClean="0"/>
+                        <a:t> al </a:t>
+                      </a:r>
+                      <a:r>
+                        <a:rPr lang="en-US" baseline="0" dirty="0" err="1" smtClean="0"/>
+                        <a:t>estimado</a:t>
+                      </a:r>
+                      <a:endParaRPr lang="es-AR" dirty="0"/>
+                    </a:p>
+                  </a:txBody>
+                  <a:tcPr/>
+                </a:tc>
+              </a:tr>
+              <a:tr h="370840">
+                <a:tc>
+                  <a:txBody>
+                    <a:bodyPr/>
+                    <a:lstStyle/>
+                    <a:p>
+                      <a:pPr algn="ctr"/>
+                      <a:r>
+                        <a:rPr lang="en-US" dirty="0" smtClean="0"/>
+                        <a:t>3</a:t>
+                      </a:r>
+                      <a:endParaRPr lang="es-AR" dirty="0"/>
+                    </a:p>
+                  </a:txBody>
+                  <a:tcPr/>
+                </a:tc>
+                <a:tc>
+                  <a:txBody>
+                    <a:bodyPr/>
+                    <a:lstStyle/>
+                    <a:p>
+                      <a:pPr algn="ctr"/>
+                      <a:r>
+                        <a:rPr lang="en-US" dirty="0" smtClean="0"/>
+                        <a:t>114%</a:t>
+                      </a:r>
+                      <a:endParaRPr lang="es-AR" dirty="0"/>
+                    </a:p>
+                  </a:txBody>
+                  <a:tcPr/>
+                </a:tc>
+              </a:tr>
+              <a:tr h="370840">
+                <a:tc>
+                  <a:txBody>
+                    <a:bodyPr/>
+                    <a:lstStyle/>
+                    <a:p>
+                      <a:pPr algn="ctr"/>
+                      <a:r>
+                        <a:rPr lang="en-US" dirty="0" smtClean="0"/>
+                        <a:t>4</a:t>
+                      </a:r>
+                      <a:endParaRPr lang="es-AR" dirty="0"/>
+                    </a:p>
+                  </a:txBody>
+                  <a:tcPr/>
+                </a:tc>
+                <a:tc>
+                  <a:txBody>
+                    <a:bodyPr/>
+                    <a:lstStyle/>
+                    <a:p>
+                      <a:pPr algn="ctr"/>
+                      <a:r>
+                        <a:rPr lang="en-US" dirty="0" smtClean="0"/>
+                        <a:t>85%</a:t>
+                      </a:r>
+                      <a:endParaRPr lang="es-AR" dirty="0"/>
+                    </a:p>
+                  </a:txBody>
+                  <a:tcPr/>
+                </a:tc>
+              </a:tr>
+              <a:tr h="370840">
+                <a:tc>
+                  <a:txBody>
+                    <a:bodyPr/>
+                    <a:lstStyle/>
+                    <a:p>
+                      <a:pPr algn="ctr"/>
+                      <a:r>
+                        <a:rPr lang="en-US" dirty="0" smtClean="0"/>
+                        <a:t>5</a:t>
+                      </a:r>
+                      <a:endParaRPr lang="es-AR" dirty="0"/>
+                    </a:p>
+                  </a:txBody>
+                  <a:tcPr/>
+                </a:tc>
+                <a:tc>
+                  <a:txBody>
+                    <a:bodyPr/>
+                    <a:lstStyle/>
+                    <a:p>
+                      <a:pPr algn="ctr"/>
+                      <a:r>
+                        <a:rPr lang="en-US" dirty="0" smtClean="0"/>
+                        <a:t>105%</a:t>
+                      </a:r>
+                      <a:endParaRPr lang="es-AR" dirty="0"/>
+                    </a:p>
+                  </a:txBody>
+                  <a:tcPr/>
+                </a:tc>
+              </a:tr>
+            </a:tbl>
+          </a:graphicData>
+        </a:graphic>
+      </p:graphicFrame>
+      <p:graphicFrame>
+        <p:nvGraphicFramePr>
+          <p:cNvPr id="10" name="Chart 9"/>
+          <p:cNvGraphicFramePr/>
+          <p:nvPr>
+            <p:extLst>
+              <p:ext uri="{D42A27DB-BD31-4B8C-83A1-F6EECF244321}">
+                <p14:modId xmlns:p14="http://schemas.microsoft.com/office/powerpoint/2010/main" val="198107308"/>
+              </p:ext>
+            </p:extLst>
+          </p:nvPr>
+        </p:nvGraphicFramePr>
+        <p:xfrm>
+          <a:off x="3599542" y="735994"/>
+          <a:ext cx="8128000" cy="5418667"/>
+        </p:xfrm>
+        <a:graphic>
+          <a:graphicData uri="http://schemas.openxmlformats.org/drawingml/2006/chart">
+            <c:chart xmlns:c="http://schemas.openxmlformats.org/drawingml/2006/chart" xmlns:r="http://schemas.openxmlformats.org/officeDocument/2006/relationships" r:id="rId2"/>
+          </a:graphicData>
+        </a:graphic>
+      </p:graphicFrame>
     </p:spTree>
     <p:extLst>
       <p:ext uri="{BB962C8B-B14F-4D97-AF65-F5344CB8AC3E}">
@@ -3666,6 +4680,13 @@
   <p:clrMapOvr>
     <a:masterClrMapping/>
   </p:clrMapOvr>
+  <p:timing>
+    <p:tnLst>
+      <p:par>
+        <p:cTn id="1" dur="indefinite" restart="never" nodeType="tmRoot"/>
+      </p:par>
+    </p:tnLst>
+  </p:timing>
 </p:sld>
 </file>
 
@@ -3929,18 +4950,16 @@
             </p:spPr>
             <p:style>
               <a:lnRef idx="2">
-                <a:schemeClr val="accent1">
-                  <a:shade val="50000"/>
-                </a:schemeClr>
+                <a:schemeClr val="dk1"/>
               </a:lnRef>
               <a:fillRef idx="1">
-                <a:schemeClr val="accent1"/>
+                <a:schemeClr val="lt1"/>
               </a:fillRef>
               <a:effectRef idx="0">
-                <a:schemeClr val="accent1"/>
+                <a:schemeClr val="dk1"/>
               </a:effectRef>
               <a:fontRef idx="minor">
-                <a:schemeClr val="lt1"/>
+                <a:schemeClr val="dk1"/>
               </a:fontRef>
             </p:style>
             <p:txBody>
@@ -4014,18 +5033,16 @@
             </p:spPr>
             <p:style>
               <a:lnRef idx="2">
-                <a:schemeClr val="accent6">
-                  <a:shade val="50000"/>
-                </a:schemeClr>
+                <a:schemeClr val="dk1"/>
               </a:lnRef>
               <a:fillRef idx="1">
-                <a:schemeClr val="accent6"/>
+                <a:schemeClr val="lt1"/>
               </a:fillRef>
               <a:effectRef idx="0">
-                <a:schemeClr val="accent6"/>
+                <a:schemeClr val="dk1"/>
               </a:effectRef>
               <a:fontRef idx="minor">
-                <a:schemeClr val="lt1"/>
+                <a:schemeClr val="dk1"/>
               </a:fontRef>
             </p:style>
             <p:txBody>
@@ -4166,18 +5183,16 @@
             </p:spPr>
             <p:style>
               <a:lnRef idx="2">
-                <a:schemeClr val="accent3">
-                  <a:shade val="50000"/>
-                </a:schemeClr>
+                <a:schemeClr val="dk1"/>
               </a:lnRef>
               <a:fillRef idx="1">
-                <a:schemeClr val="accent3"/>
+                <a:schemeClr val="lt1"/>
               </a:fillRef>
               <a:effectRef idx="0">
-                <a:schemeClr val="accent3"/>
+                <a:schemeClr val="dk1"/>
               </a:effectRef>
               <a:fontRef idx="minor">
-                <a:schemeClr val="lt1"/>
+                <a:schemeClr val="dk1"/>
               </a:fontRef>
             </p:style>
             <p:txBody>
@@ -4217,18 +5232,16 @@
             </p:spPr>
             <p:style>
               <a:lnRef idx="2">
-                <a:schemeClr val="accent1">
-                  <a:shade val="50000"/>
-                </a:schemeClr>
+                <a:schemeClr val="dk1"/>
               </a:lnRef>
               <a:fillRef idx="1">
-                <a:schemeClr val="accent1"/>
+                <a:schemeClr val="lt1"/>
               </a:fillRef>
               <a:effectRef idx="0">
-                <a:schemeClr val="accent1"/>
+                <a:schemeClr val="dk1"/>
               </a:effectRef>
               <a:fontRef idx="minor">
-                <a:schemeClr val="lt1"/>
+                <a:schemeClr val="dk1"/>
               </a:fontRef>
             </p:style>
             <p:txBody>
@@ -4306,18 +5319,16 @@
             </p:spPr>
             <p:style>
               <a:lnRef idx="2">
-                <a:schemeClr val="accent3">
-                  <a:shade val="50000"/>
-                </a:schemeClr>
+                <a:schemeClr val="dk1"/>
               </a:lnRef>
               <a:fillRef idx="1">
-                <a:schemeClr val="accent3"/>
+                <a:schemeClr val="lt1"/>
               </a:fillRef>
               <a:effectRef idx="0">
-                <a:schemeClr val="accent3"/>
+                <a:schemeClr val="dk1"/>
               </a:effectRef>
               <a:fontRef idx="minor">
-                <a:schemeClr val="lt1"/>
+                <a:schemeClr val="dk1"/>
               </a:fontRef>
             </p:style>
             <p:txBody>
@@ -4441,18 +5452,16 @@
             </p:spPr>
             <p:style>
               <a:lnRef idx="2">
-                <a:schemeClr val="accent3">
-                  <a:shade val="50000"/>
-                </a:schemeClr>
+                <a:schemeClr val="dk1"/>
               </a:lnRef>
               <a:fillRef idx="1">
-                <a:schemeClr val="accent3"/>
+                <a:schemeClr val="lt1"/>
               </a:fillRef>
               <a:effectRef idx="0">
-                <a:schemeClr val="accent3"/>
+                <a:schemeClr val="dk1"/>
               </a:effectRef>
               <a:fontRef idx="minor">
-                <a:schemeClr val="lt1"/>
+                <a:schemeClr val="dk1"/>
               </a:fontRef>
             </p:style>
             <p:txBody>
@@ -4569,18 +5578,16 @@
           </p:spPr>
           <p:style>
             <a:lnRef idx="2">
-              <a:schemeClr val="accent1">
-                <a:shade val="50000"/>
-              </a:schemeClr>
+              <a:schemeClr val="dk1"/>
             </a:lnRef>
             <a:fillRef idx="1">
-              <a:schemeClr val="accent1"/>
+              <a:schemeClr val="lt1"/>
             </a:fillRef>
             <a:effectRef idx="0">
-              <a:schemeClr val="accent1"/>
+              <a:schemeClr val="dk1"/>
             </a:effectRef>
             <a:fontRef idx="minor">
-              <a:schemeClr val="lt1"/>
+              <a:schemeClr val="dk1"/>
             </a:fontRef>
           </p:style>
           <p:txBody>
@@ -4937,11 +5944,7 @@
             <a:pPr algn="ctr"/>
             <a:r>
               <a:rPr lang="es-AR" dirty="0" smtClean="0"/>
-              <a:t>Lecciones </a:t>
-            </a:r>
-            <a:r>
-              <a:rPr lang="es-AR" dirty="0" smtClean="0"/>
-              <a:t>Aprendidas – Sprint #1</a:t>
+              <a:t>Lecciones Aprendidas – Sprint #1</a:t>
             </a:r>
             <a:endParaRPr lang="es-AR" dirty="0"/>
           </a:p>
@@ -5040,11 +6043,7 @@
             </a:r>
             <a:r>
               <a:rPr lang="en-US" sz="3200" dirty="0" smtClean="0"/>
-              <a:t> e-mails </a:t>
-            </a:r>
-            <a:r>
-              <a:rPr lang="en-US" sz="3200" dirty="0" smtClean="0"/>
-              <a:t>de </a:t>
+              <a:t> e-mails de </a:t>
             </a:r>
             <a:r>
               <a:rPr lang="en-US" sz="3200" dirty="0" err="1" smtClean="0"/>
@@ -6324,11 +7323,7 @@
             </a:pPr>
             <a:r>
               <a:rPr lang="en-US" sz="2800" dirty="0" err="1"/>
-              <a:t>P</a:t>
-            </a:r>
-            <a:r>
-              <a:rPr lang="en-US" sz="2800" dirty="0" err="1"/>
-              <a:t>rioridades</a:t>
+              <a:t>Prioridades</a:t>
             </a:r>
             <a:r>
               <a:rPr lang="en-US" sz="2800" dirty="0"/>
@@ -8022,7 +9017,6 @@
               <a:rPr lang="en-US" sz="3200" dirty="0" smtClean="0"/>
               <a:t>.</a:t>
             </a:r>
-            <a:endParaRPr lang="en-US" sz="3200" dirty="0" smtClean="0"/>
           </a:p>
           <a:p>
             <a:pPr marL="0" indent="0">
@@ -8313,15 +9307,7 @@
             </a:pPr>
             <a:r>
               <a:rPr lang="es-AR" sz="3200" dirty="0" smtClean="0"/>
-              <a:t>Identificación de Tareas – Es positivo tener tareas atómicas, pero se debe tener cuidado para que no cambie mucho el alcance. </a:t>
-            </a:r>
-            <a:r>
-              <a:rPr lang="es-AR" sz="3200" dirty="0" smtClean="0"/>
-              <a:t>Faltó </a:t>
-            </a:r>
-            <a:r>
-              <a:rPr lang="es-AR" sz="3200" dirty="0" smtClean="0"/>
-              <a:t>identificar tareas en el comienzo del sprint.</a:t>
+              <a:t>Identificación de Tareas – Es positivo tener tareas atómicas, pero se debe tener cuidado para que no cambie mucho el alcance. Faltó identificar tareas en el comienzo del sprint.</a:t>
             </a:r>
           </a:p>
           <a:p>
@@ -8417,11 +9403,7 @@
             <a:pPr algn="ctr"/>
             <a:r>
               <a:rPr lang="es-AR" dirty="0" smtClean="0"/>
-              <a:t>Lecciones </a:t>
-            </a:r>
-            <a:r>
-              <a:rPr lang="es-AR" dirty="0" smtClean="0"/>
-              <a:t>aprendidas – Sprint #5</a:t>
+              <a:t>Lecciones aprendidas – Sprint #5</a:t>
             </a:r>
             <a:endParaRPr lang="es-AR" dirty="0"/>
           </a:p>
@@ -8458,11 +9440,7 @@
             </a:pPr>
             <a:r>
               <a:rPr lang="es-AR" sz="3200" dirty="0" smtClean="0"/>
-              <a:t>Fue </a:t>
-            </a:r>
-            <a:r>
-              <a:rPr lang="es-AR" sz="3200" dirty="0" smtClean="0"/>
-              <a:t>fundamental la gestión de los riesgos (</a:t>
+              <a:t>Fue fundamental la gestión de los riesgos (</a:t>
             </a:r>
             <a:r>
               <a:rPr lang="es-AR" sz="3200" dirty="0" err="1" smtClean="0"/>
@@ -8470,11 +9448,7 @@
             </a:r>
             <a:r>
               <a:rPr lang="es-AR" sz="3200" dirty="0" smtClean="0"/>
-              <a:t>) para poder terminar el proyecto cumpliendo con el </a:t>
-            </a:r>
-            <a:r>
-              <a:rPr lang="es-AR" sz="3200" dirty="0" smtClean="0"/>
-              <a:t>cliente</a:t>
+              <a:t>) para poder terminar el proyecto cumpliendo con el cliente</a:t>
             </a:r>
           </a:p>
           <a:p>

--- a/trunk/Presentacion.pptx
+++ b/trunk/Presentacion.pptx
@@ -7,17 +7,23 @@
   <p:sldIdLst>
     <p:sldId id="257" r:id="rId2"/>
     <p:sldId id="303" r:id="rId3"/>
-    <p:sldId id="302" r:id="rId4"/>
-    <p:sldId id="304" r:id="rId5"/>
-    <p:sldId id="301" r:id="rId6"/>
-    <p:sldId id="305" r:id="rId7"/>
-    <p:sldId id="300" r:id="rId8"/>
-    <p:sldId id="299" r:id="rId9"/>
-    <p:sldId id="276" r:id="rId10"/>
-    <p:sldId id="306" r:id="rId11"/>
-    <p:sldId id="292" r:id="rId12"/>
-    <p:sldId id="307" r:id="rId13"/>
-    <p:sldId id="298" r:id="rId14"/>
+    <p:sldId id="308" r:id="rId4"/>
+    <p:sldId id="302" r:id="rId5"/>
+    <p:sldId id="313" r:id="rId6"/>
+    <p:sldId id="304" r:id="rId7"/>
+    <p:sldId id="309" r:id="rId8"/>
+    <p:sldId id="301" r:id="rId9"/>
+    <p:sldId id="305" r:id="rId10"/>
+    <p:sldId id="310" r:id="rId11"/>
+    <p:sldId id="300" r:id="rId12"/>
+    <p:sldId id="311" r:id="rId13"/>
+    <p:sldId id="299" r:id="rId14"/>
+    <p:sldId id="312" r:id="rId15"/>
+    <p:sldId id="276" r:id="rId16"/>
+    <p:sldId id="306" r:id="rId17"/>
+    <p:sldId id="292" r:id="rId18"/>
+    <p:sldId id="307" r:id="rId19"/>
+    <p:sldId id="298" r:id="rId20"/>
   </p:sldIdLst>
   <p:sldSz cx="12192000" cy="6858000"/>
   <p:notesSz cx="6858000" cy="9144000"/>
@@ -277,11 +283,11 @@
         </c:dLbls>
         <c:gapWidth val="100"/>
         <c:overlap val="-24"/>
-        <c:axId val="238477216"/>
-        <c:axId val="238477776"/>
+        <c:axId val="242941648"/>
+        <c:axId val="247153248"/>
       </c:barChart>
       <c:catAx>
-        <c:axId val="238477216"/>
+        <c:axId val="242941648"/>
         <c:scaling>
           <c:orientation val="minMax"/>
         </c:scaling>
@@ -321,7 +327,7 @@
             <a:endParaRPr lang="es-AR"/>
           </a:p>
         </c:txPr>
-        <c:crossAx val="238477776"/>
+        <c:crossAx val="247153248"/>
         <c:crosses val="autoZero"/>
         <c:auto val="1"/>
         <c:lblAlgn val="ctr"/>
@@ -329,7 +335,7 @@
         <c:noMultiLvlLbl val="0"/>
       </c:catAx>
       <c:valAx>
-        <c:axId val="238477776"/>
+        <c:axId val="247153248"/>
         <c:scaling>
           <c:orientation val="minMax"/>
         </c:scaling>
@@ -377,7 +383,7 @@
             <a:endParaRPr lang="es-AR"/>
           </a:p>
         </c:txPr>
-        <c:crossAx val="238477216"/>
+        <c:crossAx val="242941648"/>
         <c:crosses val="autoZero"/>
         <c:crossBetween val="between"/>
       </c:valAx>
@@ -1155,7 +1161,7 @@
             <a:fld id="{A3B91EB6-4160-46A1-BFEE-CCE548EA35CA}" type="datetimeFigureOut">
               <a:rPr lang="es-AR" smtClean="0"/>
               <a:pPr/>
-              <a:t>17/11/2013</a:t>
+              <a:t>18/11/2013</a:t>
             </a:fld>
             <a:endParaRPr lang="es-AR"/>
           </a:p>
@@ -1347,7 +1353,7 @@
             <a:fld id="{A3B91EB6-4160-46A1-BFEE-CCE548EA35CA}" type="datetimeFigureOut">
               <a:rPr lang="es-AR" smtClean="0"/>
               <a:pPr/>
-              <a:t>17/11/2013</a:t>
+              <a:t>18/11/2013</a:t>
             </a:fld>
             <a:endParaRPr lang="es-AR"/>
           </a:p>
@@ -1529,7 +1535,7 @@
             <a:fld id="{A3B91EB6-4160-46A1-BFEE-CCE548EA35CA}" type="datetimeFigureOut">
               <a:rPr lang="es-AR" smtClean="0"/>
               <a:pPr/>
-              <a:t>17/11/2013</a:t>
+              <a:t>18/11/2013</a:t>
             </a:fld>
             <a:endParaRPr lang="es-AR"/>
           </a:p>
@@ -1701,7 +1707,7 @@
             <a:fld id="{A3B91EB6-4160-46A1-BFEE-CCE548EA35CA}" type="datetimeFigureOut">
               <a:rPr lang="es-AR" smtClean="0"/>
               <a:pPr/>
-              <a:t>17/11/2013</a:t>
+              <a:t>18/11/2013</a:t>
             </a:fld>
             <a:endParaRPr lang="es-AR"/>
           </a:p>
@@ -1959,7 +1965,7 @@
             <a:fld id="{A3B91EB6-4160-46A1-BFEE-CCE548EA35CA}" type="datetimeFigureOut">
               <a:rPr lang="es-AR" smtClean="0"/>
               <a:pPr/>
-              <a:t>17/11/2013</a:t>
+              <a:t>18/11/2013</a:t>
             </a:fld>
             <a:endParaRPr lang="es-AR"/>
           </a:p>
@@ -2249,7 +2255,7 @@
             <a:fld id="{A3B91EB6-4160-46A1-BFEE-CCE548EA35CA}" type="datetimeFigureOut">
               <a:rPr lang="es-AR" smtClean="0"/>
               <a:pPr/>
-              <a:t>17/11/2013</a:t>
+              <a:t>18/11/2013</a:t>
             </a:fld>
             <a:endParaRPr lang="es-AR"/>
           </a:p>
@@ -2689,7 +2695,7 @@
             <a:fld id="{A3B91EB6-4160-46A1-BFEE-CCE548EA35CA}" type="datetimeFigureOut">
               <a:rPr lang="es-AR" smtClean="0"/>
               <a:pPr/>
-              <a:t>17/11/2013</a:t>
+              <a:t>18/11/2013</a:t>
             </a:fld>
             <a:endParaRPr lang="es-AR"/>
           </a:p>
@@ -2809,7 +2815,7 @@
             <a:fld id="{A3B91EB6-4160-46A1-BFEE-CCE548EA35CA}" type="datetimeFigureOut">
               <a:rPr lang="es-AR" smtClean="0"/>
               <a:pPr/>
-              <a:t>17/11/2013</a:t>
+              <a:t>18/11/2013</a:t>
             </a:fld>
             <a:endParaRPr lang="es-AR"/>
           </a:p>
@@ -2906,7 +2912,7 @@
             <a:fld id="{A3B91EB6-4160-46A1-BFEE-CCE548EA35CA}" type="datetimeFigureOut">
               <a:rPr lang="es-AR" smtClean="0"/>
               <a:pPr/>
-              <a:t>17/11/2013</a:t>
+              <a:t>18/11/2013</a:t>
             </a:fld>
             <a:endParaRPr lang="es-AR"/>
           </a:p>
@@ -3264,7 +3270,7 @@
             <a:fld id="{A3B91EB6-4160-46A1-BFEE-CCE548EA35CA}" type="datetimeFigureOut">
               <a:rPr lang="es-AR" smtClean="0"/>
               <a:pPr/>
-              <a:t>17/11/2013</a:t>
+              <a:t>18/11/2013</a:t>
             </a:fld>
             <a:endParaRPr lang="es-AR"/>
           </a:p>
@@ -3582,7 +3588,7 @@
             <a:fld id="{A3B91EB6-4160-46A1-BFEE-CCE548EA35CA}" type="datetimeFigureOut">
               <a:rPr lang="es-AR" smtClean="0"/>
               <a:pPr/>
-              <a:t>17/11/2013</a:t>
+              <a:t>18/11/2013</a:t>
             </a:fld>
             <a:endParaRPr lang="es-AR"/>
           </a:p>
@@ -3817,7 +3823,7 @@
             <a:fld id="{A3B91EB6-4160-46A1-BFEE-CCE548EA35CA}" type="datetimeFigureOut">
               <a:rPr lang="es-AR" smtClean="0"/>
               <a:pPr/>
-              <a:t>17/11/2013</a:t>
+              <a:t>18/11/2013</a:t>
             </a:fld>
             <a:endParaRPr lang="es-AR"/>
           </a:p>
@@ -4474,6 +4480,1075 @@
           <a:chExt cx="0" cy="0"/>
         </a:xfrm>
       </p:grpSpPr>
+      <p:pic>
+        <p:nvPicPr>
+          <p:cNvPr id="43" name="Picture 42"/>
+          <p:cNvPicPr>
+            <a:picLocks noChangeAspect="1"/>
+          </p:cNvPicPr>
+          <p:nvPr/>
+        </p:nvPicPr>
+        <p:blipFill>
+          <a:blip r:embed="rId2"/>
+          <a:stretch>
+            <a:fillRect/>
+          </a:stretch>
+        </p:blipFill>
+        <p:spPr>
+          <a:xfrm>
+            <a:off x="1631577" y="174932"/>
+            <a:ext cx="8928846" cy="6508137"/>
+          </a:xfrm>
+          <a:prstGeom prst="rect">
+            <a:avLst/>
+          </a:prstGeom>
+          <a:ln>
+            <a:solidFill>
+              <a:schemeClr val="tx1"/>
+            </a:solidFill>
+          </a:ln>
+        </p:spPr>
+      </p:pic>
+      <p:sp>
+        <p:nvSpPr>
+          <p:cNvPr id="44" name="Right Arrow 43"/>
+          <p:cNvSpPr/>
+          <p:nvPr/>
+        </p:nvSpPr>
+        <p:spPr>
+          <a:xfrm rot="16200000">
+            <a:off x="6360459" y="5271246"/>
+            <a:ext cx="658906" cy="779930"/>
+          </a:xfrm>
+          <a:prstGeom prst="rightArrow">
+            <a:avLst/>
+          </a:prstGeom>
+        </p:spPr>
+        <p:style>
+          <a:lnRef idx="2">
+            <a:schemeClr val="accent2">
+              <a:shade val="50000"/>
+            </a:schemeClr>
+          </a:lnRef>
+          <a:fillRef idx="1">
+            <a:schemeClr val="accent2"/>
+          </a:fillRef>
+          <a:effectRef idx="0">
+            <a:schemeClr val="accent2"/>
+          </a:effectRef>
+          <a:fontRef idx="minor">
+            <a:schemeClr val="lt1"/>
+          </a:fontRef>
+        </p:style>
+        <p:txBody>
+          <a:bodyPr rtlCol="0" anchor="ctr"/>
+          <a:lstStyle/>
+          <a:p>
+            <a:pPr algn="ctr"/>
+            <a:endParaRPr lang="es-AR"/>
+          </a:p>
+        </p:txBody>
+      </p:sp>
+    </p:spTree>
+    <p:extLst>
+      <p:ext uri="{BB962C8B-B14F-4D97-AF65-F5344CB8AC3E}">
+        <p14:creationId xmlns:p14="http://schemas.microsoft.com/office/powerpoint/2010/main" val="463619994"/>
+      </p:ext>
+    </p:extLst>
+  </p:cSld>
+  <p:clrMapOvr>
+    <a:masterClrMapping/>
+  </p:clrMapOvr>
+  <p:timing>
+    <p:tnLst>
+      <p:par>
+        <p:cTn id="1" dur="indefinite" restart="never" nodeType="tmRoot"/>
+      </p:par>
+    </p:tnLst>
+  </p:timing>
+</p:sld>
+</file>
+
+<file path=ppt/slides/slide11.xml><?xml version="1.0" encoding="utf-8"?>
+<p:sld xmlns:a="http://schemas.openxmlformats.org/drawingml/2006/main" xmlns:r="http://schemas.openxmlformats.org/officeDocument/2006/relationships" xmlns:p="http://schemas.openxmlformats.org/presentationml/2006/main">
+  <p:cSld>
+    <p:spTree>
+      <p:nvGrpSpPr>
+        <p:cNvPr id="1" name=""/>
+        <p:cNvGrpSpPr/>
+        <p:nvPr/>
+      </p:nvGrpSpPr>
+      <p:grpSpPr>
+        <a:xfrm>
+          <a:off x="0" y="0"/>
+          <a:ext cx="0" cy="0"/>
+          <a:chOff x="0" y="0"/>
+          <a:chExt cx="0" cy="0"/>
+        </a:xfrm>
+      </p:grpSpPr>
+      <p:sp>
+        <p:nvSpPr>
+          <p:cNvPr id="2" name="1 Título"/>
+          <p:cNvSpPr>
+            <a:spLocks noGrp="1"/>
+          </p:cNvSpPr>
+          <p:nvPr>
+            <p:ph type="title"/>
+          </p:nvPr>
+        </p:nvSpPr>
+        <p:spPr>
+          <a:xfrm>
+            <a:off x="2024034" y="142852"/>
+            <a:ext cx="8229600" cy="1344203"/>
+          </a:xfrm>
+        </p:spPr>
+        <p:txBody>
+          <a:bodyPr>
+            <a:normAutofit fontScale="90000"/>
+          </a:bodyPr>
+          <a:lstStyle/>
+          <a:p>
+            <a:pPr algn="ctr"/>
+            <a:r>
+              <a:rPr lang="en-US" dirty="0" err="1" smtClean="0"/>
+              <a:t>Lecciones</a:t>
+            </a:r>
+            <a:r>
+              <a:rPr lang="en-US" dirty="0" smtClean="0"/>
+              <a:t> </a:t>
+            </a:r>
+            <a:r>
+              <a:rPr lang="en-US" dirty="0" err="1" smtClean="0"/>
+              <a:t>aprendidas</a:t>
+            </a:r>
+            <a:r>
+              <a:rPr lang="en-US" dirty="0" smtClean="0"/>
+              <a:t> – Sprint #3</a:t>
+            </a:r>
+            <a:endParaRPr lang="es-AR" sz="3600" i="1" dirty="0"/>
+          </a:p>
+        </p:txBody>
+      </p:sp>
+      <p:sp>
+        <p:nvSpPr>
+          <p:cNvPr id="3" name="2 Marcador de contenido"/>
+          <p:cNvSpPr>
+            <a:spLocks noGrp="1"/>
+          </p:cNvSpPr>
+          <p:nvPr>
+            <p:ph idx="1"/>
+          </p:nvPr>
+        </p:nvSpPr>
+        <p:spPr>
+          <a:xfrm>
+            <a:off x="576943" y="1469571"/>
+            <a:ext cx="10907486" cy="4450939"/>
+          </a:xfrm>
+        </p:spPr>
+        <p:txBody>
+          <a:bodyPr>
+            <a:noAutofit/>
+          </a:bodyPr>
+          <a:lstStyle/>
+          <a:p>
+            <a:pPr marL="0" indent="0">
+              <a:buClr>
+                <a:srgbClr val="00B050"/>
+              </a:buClr>
+              <a:buFont typeface="Wingdings" pitchFamily="2" charset="2"/>
+              <a:buChar char="Ø"/>
+            </a:pPr>
+            <a:r>
+              <a:rPr lang="es-AR" sz="3200" dirty="0" smtClean="0"/>
+              <a:t>Realizar estimaciones con SP == 1 Hora o pasar a usar HH para poder usar estimaciones con números no enteros.</a:t>
+            </a:r>
+          </a:p>
+          <a:p>
+            <a:pPr marL="0" indent="0">
+              <a:buClr>
+                <a:srgbClr val="00B050"/>
+              </a:buClr>
+              <a:buFont typeface="Wingdings" pitchFamily="2" charset="2"/>
+              <a:buChar char="Ø"/>
+            </a:pPr>
+            <a:r>
+              <a:rPr lang="es-AR" sz="3200" dirty="0" smtClean="0"/>
+              <a:t>Crear </a:t>
+            </a:r>
+            <a:r>
+              <a:rPr lang="es-AR" sz="3200" dirty="0" err="1" smtClean="0"/>
+              <a:t>templates</a:t>
+            </a:r>
+            <a:r>
+              <a:rPr lang="es-AR" sz="3200" dirty="0" smtClean="0"/>
+              <a:t> para los documentos de pruebas funcionales.</a:t>
+            </a:r>
+          </a:p>
+          <a:p>
+            <a:pPr marL="0" indent="0">
+              <a:buClr>
+                <a:srgbClr val="00B050"/>
+              </a:buClr>
+              <a:buFont typeface="Wingdings" pitchFamily="2" charset="2"/>
+              <a:buChar char="Ø"/>
+            </a:pPr>
+            <a:r>
+              <a:rPr lang="en-US" sz="3200" dirty="0" smtClean="0"/>
+              <a:t>Responder </a:t>
+            </a:r>
+            <a:r>
+              <a:rPr lang="en-US" sz="3200" dirty="0" err="1" smtClean="0"/>
+              <a:t>más</a:t>
+            </a:r>
+            <a:r>
+              <a:rPr lang="en-US" sz="3200" dirty="0" smtClean="0"/>
+              <a:t> </a:t>
+            </a:r>
+            <a:r>
+              <a:rPr lang="en-US" sz="3200" dirty="0" err="1" smtClean="0"/>
+              <a:t>rápido</a:t>
+            </a:r>
+            <a:r>
+              <a:rPr lang="en-US" sz="3200" dirty="0" smtClean="0"/>
+              <a:t> a los e-mails del </a:t>
+            </a:r>
+            <a:r>
+              <a:rPr lang="en-US" sz="3200" dirty="0" err="1" smtClean="0"/>
+              <a:t>cliente</a:t>
+            </a:r>
+            <a:r>
+              <a:rPr lang="en-US" sz="3200" dirty="0" smtClean="0"/>
+              <a:t>. De </a:t>
+            </a:r>
+            <a:r>
+              <a:rPr lang="en-US" sz="3200" dirty="0" err="1" smtClean="0"/>
+              <a:t>otra</a:t>
+            </a:r>
+            <a:r>
+              <a:rPr lang="en-US" sz="3200" dirty="0" smtClean="0"/>
+              <a:t> forma, no </a:t>
+            </a:r>
+            <a:r>
+              <a:rPr lang="en-US" sz="3200" dirty="0" err="1" smtClean="0"/>
+              <a:t>esta</a:t>
+            </a:r>
+            <a:r>
+              <a:rPr lang="en-US" sz="3200" dirty="0" smtClean="0"/>
+              <a:t> </a:t>
+            </a:r>
+            <a:r>
+              <a:rPr lang="en-US" sz="3200" dirty="0" err="1" smtClean="0"/>
+              <a:t>seguro</a:t>
+            </a:r>
+            <a:r>
+              <a:rPr lang="en-US" sz="3200" dirty="0" smtClean="0"/>
+              <a:t> </a:t>
+            </a:r>
+            <a:r>
+              <a:rPr lang="en-US" sz="3200" dirty="0" err="1" smtClean="0"/>
+              <a:t>que</a:t>
+            </a:r>
+            <a:r>
+              <a:rPr lang="en-US" sz="3200" dirty="0" smtClean="0"/>
+              <a:t> el </a:t>
+            </a:r>
+            <a:r>
+              <a:rPr lang="en-US" sz="3200" dirty="0" err="1" smtClean="0"/>
+              <a:t>mismo</a:t>
+            </a:r>
+            <a:r>
+              <a:rPr lang="en-US" sz="3200" dirty="0" smtClean="0"/>
+              <a:t> </a:t>
+            </a:r>
+            <a:r>
+              <a:rPr lang="en-US" sz="3200" dirty="0" err="1" smtClean="0"/>
+              <a:t>llegó</a:t>
+            </a:r>
+            <a:r>
+              <a:rPr lang="en-US" sz="3200" dirty="0"/>
+              <a:t> </a:t>
+            </a:r>
+            <a:r>
+              <a:rPr lang="en-US" sz="3200" dirty="0" smtClean="0"/>
+              <a:t>y </a:t>
+            </a:r>
+            <a:r>
+              <a:rPr lang="en-US" sz="3200" dirty="0" err="1" smtClean="0"/>
+              <a:t>que</a:t>
+            </a:r>
+            <a:r>
+              <a:rPr lang="en-US" sz="3200" dirty="0" smtClean="0"/>
+              <a:t> </a:t>
+            </a:r>
+            <a:r>
+              <a:rPr lang="en-US" sz="3200" dirty="0" err="1" smtClean="0"/>
+              <a:t>vamos</a:t>
+            </a:r>
+            <a:r>
+              <a:rPr lang="en-US" sz="3200" dirty="0" smtClean="0"/>
+              <a:t> a </a:t>
+            </a:r>
+            <a:r>
+              <a:rPr lang="en-US" sz="3200" dirty="0" err="1" smtClean="0"/>
+              <a:t>hacer</a:t>
+            </a:r>
+            <a:r>
+              <a:rPr lang="en-US" sz="3200" dirty="0" smtClean="0"/>
+              <a:t> los </a:t>
+            </a:r>
+            <a:r>
+              <a:rPr lang="en-US" sz="3200" dirty="0" err="1" smtClean="0"/>
+              <a:t>cambios</a:t>
+            </a:r>
+            <a:r>
+              <a:rPr lang="en-US" sz="3200" dirty="0" smtClean="0"/>
+              <a:t> </a:t>
+            </a:r>
+            <a:r>
+              <a:rPr lang="en-US" sz="3200" dirty="0" err="1" smtClean="0"/>
+              <a:t>pedidos</a:t>
+            </a:r>
+            <a:r>
+              <a:rPr lang="en-US" sz="3200" dirty="0" smtClean="0"/>
+              <a:t>.</a:t>
+            </a:r>
+          </a:p>
+          <a:p>
+            <a:pPr marL="0" indent="0">
+              <a:buClr>
+                <a:srgbClr val="00B050"/>
+              </a:buClr>
+              <a:buFont typeface="Wingdings" pitchFamily="2" charset="2"/>
+              <a:buChar char="Ø"/>
+            </a:pPr>
+            <a:r>
+              <a:rPr lang="en-US" sz="3200" dirty="0" err="1" smtClean="0"/>
+              <a:t>Detallar</a:t>
+            </a:r>
+            <a:r>
+              <a:rPr lang="en-US" sz="3200" dirty="0" smtClean="0"/>
+              <a:t> </a:t>
+            </a:r>
+            <a:r>
+              <a:rPr lang="en-US" sz="3200" dirty="0" err="1" smtClean="0"/>
+              <a:t>pruebas</a:t>
+            </a:r>
+            <a:r>
+              <a:rPr lang="en-US" sz="3200" dirty="0" smtClean="0"/>
+              <a:t> </a:t>
+            </a:r>
+            <a:r>
+              <a:rPr lang="en-US" sz="3200" dirty="0" err="1" smtClean="0"/>
+              <a:t>funcionales</a:t>
+            </a:r>
+            <a:r>
+              <a:rPr lang="en-US" sz="3200" dirty="0" smtClean="0"/>
+              <a:t> </a:t>
+            </a:r>
+            <a:r>
+              <a:rPr lang="en-US" sz="3200" dirty="0" err="1" smtClean="0"/>
+              <a:t>más</a:t>
+            </a:r>
+            <a:r>
+              <a:rPr lang="en-US" sz="3200" dirty="0" smtClean="0"/>
+              <a:t> </a:t>
+            </a:r>
+            <a:r>
+              <a:rPr lang="en-US" sz="3200" dirty="0" err="1" smtClean="0"/>
+              <a:t>exhaustivas</a:t>
+            </a:r>
+            <a:r>
+              <a:rPr lang="en-US" sz="3200" dirty="0" smtClean="0"/>
+              <a:t> y </a:t>
+            </a:r>
+            <a:r>
+              <a:rPr lang="en-US" sz="3200" dirty="0" err="1" smtClean="0"/>
+              <a:t>hacer</a:t>
+            </a:r>
+            <a:r>
+              <a:rPr lang="en-US" sz="3200" dirty="0" smtClean="0"/>
+              <a:t> </a:t>
+            </a:r>
+            <a:r>
+              <a:rPr lang="en-US" sz="3200" dirty="0" err="1" smtClean="0"/>
+              <a:t>pruebas</a:t>
+            </a:r>
+            <a:r>
+              <a:rPr lang="en-US" sz="3200" dirty="0" smtClean="0"/>
+              <a:t> </a:t>
+            </a:r>
+            <a:r>
+              <a:rPr lang="en-US" sz="3200" dirty="0" err="1" smtClean="0"/>
+              <a:t>exploratorias</a:t>
+            </a:r>
+            <a:r>
+              <a:rPr lang="en-US" sz="3200" dirty="0" smtClean="0"/>
+              <a:t> lo antes </a:t>
+            </a:r>
+            <a:r>
+              <a:rPr lang="en-US" sz="3200" dirty="0" err="1" smtClean="0"/>
+              <a:t>posible</a:t>
+            </a:r>
+            <a:r>
+              <a:rPr lang="en-US" sz="3200" dirty="0" smtClean="0"/>
+              <a:t>.</a:t>
+            </a:r>
+          </a:p>
+          <a:p>
+            <a:pPr marL="0" indent="0">
+              <a:buClr>
+                <a:srgbClr val="00B050"/>
+              </a:buClr>
+              <a:buFont typeface="Wingdings" pitchFamily="2" charset="2"/>
+              <a:buChar char="Ø"/>
+            </a:pPr>
+            <a:r>
+              <a:rPr lang="en-US" sz="3200" dirty="0" err="1" smtClean="0"/>
+              <a:t>Agregar</a:t>
+            </a:r>
+            <a:r>
+              <a:rPr lang="en-US" sz="3200" dirty="0" smtClean="0"/>
+              <a:t> </a:t>
+            </a:r>
+            <a:r>
+              <a:rPr lang="en-US" sz="3200" dirty="0" err="1" smtClean="0"/>
+              <a:t>tareas</a:t>
+            </a:r>
+            <a:r>
+              <a:rPr lang="en-US" sz="3200" dirty="0" smtClean="0"/>
+              <a:t> </a:t>
+            </a:r>
+            <a:r>
+              <a:rPr lang="en-US" sz="3200" dirty="0" err="1" smtClean="0"/>
+              <a:t>las</a:t>
+            </a:r>
+            <a:r>
+              <a:rPr lang="en-US" sz="3200" dirty="0" smtClean="0"/>
+              <a:t> </a:t>
+            </a:r>
+            <a:r>
+              <a:rPr lang="en-US" sz="3200" dirty="0" err="1" smtClean="0"/>
+              <a:t>tareas</a:t>
+            </a:r>
+            <a:r>
+              <a:rPr lang="en-US" sz="3200" dirty="0" smtClean="0"/>
+              <a:t> de </a:t>
+            </a:r>
+            <a:r>
+              <a:rPr lang="en-US" sz="3200" dirty="0" err="1" smtClean="0"/>
+              <a:t>crear</a:t>
+            </a:r>
+            <a:r>
+              <a:rPr lang="en-US" sz="3200" dirty="0" smtClean="0"/>
+              <a:t> el </a:t>
+            </a:r>
+            <a:r>
+              <a:rPr lang="en-US" sz="3200" dirty="0" err="1" smtClean="0"/>
+              <a:t>análisis</a:t>
+            </a:r>
+            <a:r>
+              <a:rPr lang="en-US" sz="3200" dirty="0" smtClean="0"/>
+              <a:t> de </a:t>
+            </a:r>
+            <a:r>
+              <a:rPr lang="en-US" sz="3200" dirty="0" err="1" smtClean="0"/>
+              <a:t>métricas</a:t>
+            </a:r>
+            <a:r>
+              <a:rPr lang="en-US" sz="3200" dirty="0" smtClean="0"/>
+              <a:t> y los </a:t>
+            </a:r>
+            <a:r>
+              <a:rPr lang="en-US" sz="3200" dirty="0" err="1" smtClean="0"/>
+              <a:t>informes</a:t>
+            </a:r>
+            <a:r>
+              <a:rPr lang="en-US" sz="3200" dirty="0" smtClean="0"/>
+              <a:t> de </a:t>
+            </a:r>
+            <a:r>
+              <a:rPr lang="en-US" sz="3200" dirty="0" err="1" smtClean="0"/>
+              <a:t>avance</a:t>
+            </a:r>
+            <a:r>
+              <a:rPr lang="en-US" sz="3200" dirty="0"/>
+              <a:t> </a:t>
+            </a:r>
+            <a:r>
+              <a:rPr lang="en-US" sz="3200" dirty="0" smtClean="0"/>
+              <a:t>al backlog.</a:t>
+            </a:r>
+            <a:endParaRPr lang="es-AR" sz="3200" dirty="0" smtClean="0"/>
+          </a:p>
+        </p:txBody>
+      </p:sp>
+    </p:spTree>
+    <p:extLst>
+      <p:ext uri="{BB962C8B-B14F-4D97-AF65-F5344CB8AC3E}">
+        <p14:creationId xmlns:p14="http://schemas.microsoft.com/office/powerpoint/2010/main" val="3739559408"/>
+      </p:ext>
+    </p:extLst>
+  </p:cSld>
+  <p:clrMapOvr>
+    <a:masterClrMapping/>
+  </p:clrMapOvr>
+  <p:timing>
+    <p:tnLst>
+      <p:par>
+        <p:cTn id="1" dur="indefinite" restart="never" nodeType="tmRoot"/>
+      </p:par>
+    </p:tnLst>
+  </p:timing>
+</p:sld>
+</file>
+
+<file path=ppt/slides/slide12.xml><?xml version="1.0" encoding="utf-8"?>
+<p:sld xmlns:a="http://schemas.openxmlformats.org/drawingml/2006/main" xmlns:r="http://schemas.openxmlformats.org/officeDocument/2006/relationships" xmlns:p="http://schemas.openxmlformats.org/presentationml/2006/main">
+  <p:cSld>
+    <p:spTree>
+      <p:nvGrpSpPr>
+        <p:cNvPr id="1" name=""/>
+        <p:cNvGrpSpPr/>
+        <p:nvPr/>
+      </p:nvGrpSpPr>
+      <p:grpSpPr>
+        <a:xfrm>
+          <a:off x="0" y="0"/>
+          <a:ext cx="0" cy="0"/>
+          <a:chOff x="0" y="0"/>
+          <a:chExt cx="0" cy="0"/>
+        </a:xfrm>
+      </p:grpSpPr>
+      <p:pic>
+        <p:nvPicPr>
+          <p:cNvPr id="43" name="Picture 42"/>
+          <p:cNvPicPr>
+            <a:picLocks noChangeAspect="1"/>
+          </p:cNvPicPr>
+          <p:nvPr/>
+        </p:nvPicPr>
+        <p:blipFill>
+          <a:blip r:embed="rId2"/>
+          <a:stretch>
+            <a:fillRect/>
+          </a:stretch>
+        </p:blipFill>
+        <p:spPr>
+          <a:xfrm>
+            <a:off x="1631577" y="174932"/>
+            <a:ext cx="8928846" cy="6508137"/>
+          </a:xfrm>
+          <a:prstGeom prst="rect">
+            <a:avLst/>
+          </a:prstGeom>
+          <a:ln>
+            <a:solidFill>
+              <a:schemeClr val="tx1"/>
+            </a:solidFill>
+          </a:ln>
+        </p:spPr>
+      </p:pic>
+      <p:sp>
+        <p:nvSpPr>
+          <p:cNvPr id="44" name="Right Arrow 43"/>
+          <p:cNvSpPr/>
+          <p:nvPr/>
+        </p:nvSpPr>
+        <p:spPr>
+          <a:xfrm rot="16200000">
+            <a:off x="8095131" y="4867834"/>
+            <a:ext cx="658906" cy="779930"/>
+          </a:xfrm>
+          <a:prstGeom prst="rightArrow">
+            <a:avLst/>
+          </a:prstGeom>
+        </p:spPr>
+        <p:style>
+          <a:lnRef idx="2">
+            <a:schemeClr val="accent2">
+              <a:shade val="50000"/>
+            </a:schemeClr>
+          </a:lnRef>
+          <a:fillRef idx="1">
+            <a:schemeClr val="accent2"/>
+          </a:fillRef>
+          <a:effectRef idx="0">
+            <a:schemeClr val="accent2"/>
+          </a:effectRef>
+          <a:fontRef idx="minor">
+            <a:schemeClr val="lt1"/>
+          </a:fontRef>
+        </p:style>
+        <p:txBody>
+          <a:bodyPr rtlCol="0" anchor="ctr"/>
+          <a:lstStyle/>
+          <a:p>
+            <a:pPr algn="ctr"/>
+            <a:endParaRPr lang="es-AR"/>
+          </a:p>
+        </p:txBody>
+      </p:sp>
+    </p:spTree>
+    <p:extLst>
+      <p:ext uri="{BB962C8B-B14F-4D97-AF65-F5344CB8AC3E}">
+        <p14:creationId xmlns:p14="http://schemas.microsoft.com/office/powerpoint/2010/main" val="919513086"/>
+      </p:ext>
+    </p:extLst>
+  </p:cSld>
+  <p:clrMapOvr>
+    <a:masterClrMapping/>
+  </p:clrMapOvr>
+  <p:timing>
+    <p:tnLst>
+      <p:par>
+        <p:cTn id="1" dur="indefinite" restart="never" nodeType="tmRoot"/>
+      </p:par>
+    </p:tnLst>
+  </p:timing>
+</p:sld>
+</file>
+
+<file path=ppt/slides/slide13.xml><?xml version="1.0" encoding="utf-8"?>
+<p:sld xmlns:a="http://schemas.openxmlformats.org/drawingml/2006/main" xmlns:r="http://schemas.openxmlformats.org/officeDocument/2006/relationships" xmlns:p="http://schemas.openxmlformats.org/presentationml/2006/main">
+  <p:cSld>
+    <p:spTree>
+      <p:nvGrpSpPr>
+        <p:cNvPr id="1" name=""/>
+        <p:cNvGrpSpPr/>
+        <p:nvPr/>
+      </p:nvGrpSpPr>
+      <p:grpSpPr>
+        <a:xfrm>
+          <a:off x="0" y="0"/>
+          <a:ext cx="0" cy="0"/>
+          <a:chOff x="0" y="0"/>
+          <a:chExt cx="0" cy="0"/>
+        </a:xfrm>
+      </p:grpSpPr>
+      <p:sp>
+        <p:nvSpPr>
+          <p:cNvPr id="2" name="Title 1"/>
+          <p:cNvSpPr>
+            <a:spLocks noGrp="1"/>
+          </p:cNvSpPr>
+          <p:nvPr>
+            <p:ph type="title"/>
+          </p:nvPr>
+        </p:nvSpPr>
+        <p:spPr>
+          <a:xfrm>
+            <a:off x="667130" y="259388"/>
+            <a:ext cx="10772775" cy="1658198"/>
+          </a:xfrm>
+        </p:spPr>
+        <p:txBody>
+          <a:bodyPr/>
+          <a:lstStyle/>
+          <a:p>
+            <a:pPr algn="ctr"/>
+            <a:r>
+              <a:rPr lang="es-AR" dirty="0" smtClean="0"/>
+              <a:t>Lecciones aprendidas – Sprint #4</a:t>
+            </a:r>
+            <a:endParaRPr lang="es-AR" dirty="0"/>
+          </a:p>
+        </p:txBody>
+      </p:sp>
+      <p:sp>
+        <p:nvSpPr>
+          <p:cNvPr id="5" name="2 Marcador de contenido"/>
+          <p:cNvSpPr>
+            <a:spLocks noGrp="1"/>
+          </p:cNvSpPr>
+          <p:nvPr>
+            <p:ph idx="1"/>
+          </p:nvPr>
+        </p:nvSpPr>
+        <p:spPr>
+          <a:xfrm>
+            <a:off x="676656" y="1838036"/>
+            <a:ext cx="10753725" cy="4738255"/>
+          </a:xfrm>
+        </p:spPr>
+        <p:txBody>
+          <a:bodyPr>
+            <a:noAutofit/>
+          </a:bodyPr>
+          <a:lstStyle/>
+          <a:p>
+            <a:pPr lvl="0">
+              <a:buClr>
+                <a:srgbClr val="00B050"/>
+              </a:buClr>
+              <a:buFont typeface="Wingdings" panose="05000000000000000000" pitchFamily="2" charset="2"/>
+              <a:buChar char="Ø"/>
+            </a:pPr>
+            <a:r>
+              <a:rPr lang="es-AR" sz="3200" dirty="0" smtClean="0"/>
+              <a:t>Pruebas Funcionales - No usar palabras técnicas, o en inglés. Aclarar con mayor detalle los pasos a seguir.</a:t>
+            </a:r>
+          </a:p>
+          <a:p>
+            <a:pPr lvl="0">
+              <a:buClr>
+                <a:srgbClr val="00B050"/>
+              </a:buClr>
+              <a:buFont typeface="Wingdings" panose="05000000000000000000" pitchFamily="2" charset="2"/>
+              <a:buChar char="Ø"/>
+            </a:pPr>
+            <a:endParaRPr lang="es-AR" sz="3200" dirty="0" smtClean="0"/>
+          </a:p>
+          <a:p>
+            <a:pPr lvl="0">
+              <a:buClr>
+                <a:srgbClr val="00B050"/>
+              </a:buClr>
+              <a:buFont typeface="Wingdings" panose="05000000000000000000" pitchFamily="2" charset="2"/>
+              <a:buChar char="Ø"/>
+            </a:pPr>
+            <a:r>
+              <a:rPr lang="es-AR" sz="3200" dirty="0" smtClean="0"/>
+              <a:t>Identificación de Tareas – Es positivo tener tareas atómicas, pero se debe tener cuidado para que no cambie mucho el alcance. Faltó identificar tareas en el comienzo del sprint.</a:t>
+            </a:r>
+          </a:p>
+          <a:p>
+            <a:pPr lvl="0">
+              <a:buClr>
+                <a:srgbClr val="00B050"/>
+              </a:buClr>
+              <a:buFont typeface="Wingdings" panose="05000000000000000000" pitchFamily="2" charset="2"/>
+              <a:buChar char="Ø"/>
+            </a:pPr>
+            <a:endParaRPr lang="es-AR" sz="3200" dirty="0" smtClean="0"/>
+          </a:p>
+          <a:p>
+            <a:pPr lvl="0">
+              <a:buClr>
+                <a:srgbClr val="00B050"/>
+              </a:buClr>
+              <a:buFont typeface="Wingdings" panose="05000000000000000000" pitchFamily="2" charset="2"/>
+              <a:buChar char="Ø"/>
+            </a:pPr>
+            <a:r>
+              <a:rPr lang="es-AR" sz="3200" dirty="0" smtClean="0"/>
+              <a:t>Documento REST API – Fue fundamental para la comunicación del equipo.</a:t>
+            </a:r>
+          </a:p>
+          <a:p>
+            <a:pPr lvl="3">
+              <a:buClr>
+                <a:srgbClr val="00B050"/>
+              </a:buClr>
+            </a:pPr>
+            <a:endParaRPr lang="es-AR" sz="2600" dirty="0" smtClean="0"/>
+          </a:p>
+        </p:txBody>
+      </p:sp>
+    </p:spTree>
+    <p:extLst>
+      <p:ext uri="{BB962C8B-B14F-4D97-AF65-F5344CB8AC3E}">
+        <p14:creationId xmlns:p14="http://schemas.microsoft.com/office/powerpoint/2010/main" val="3121502745"/>
+      </p:ext>
+    </p:extLst>
+  </p:cSld>
+  <p:clrMapOvr>
+    <a:masterClrMapping/>
+  </p:clrMapOvr>
+  <p:timing>
+    <p:tnLst>
+      <p:par>
+        <p:cTn id="1" dur="indefinite" restart="never" nodeType="tmRoot"/>
+      </p:par>
+    </p:tnLst>
+  </p:timing>
+</p:sld>
+</file>
+
+<file path=ppt/slides/slide14.xml><?xml version="1.0" encoding="utf-8"?>
+<p:sld xmlns:a="http://schemas.openxmlformats.org/drawingml/2006/main" xmlns:r="http://schemas.openxmlformats.org/officeDocument/2006/relationships" xmlns:p="http://schemas.openxmlformats.org/presentationml/2006/main">
+  <p:cSld>
+    <p:spTree>
+      <p:nvGrpSpPr>
+        <p:cNvPr id="1" name=""/>
+        <p:cNvGrpSpPr/>
+        <p:nvPr/>
+      </p:nvGrpSpPr>
+      <p:grpSpPr>
+        <a:xfrm>
+          <a:off x="0" y="0"/>
+          <a:ext cx="0" cy="0"/>
+          <a:chOff x="0" y="0"/>
+          <a:chExt cx="0" cy="0"/>
+        </a:xfrm>
+      </p:grpSpPr>
+      <p:pic>
+        <p:nvPicPr>
+          <p:cNvPr id="43" name="Picture 42"/>
+          <p:cNvPicPr>
+            <a:picLocks noChangeAspect="1"/>
+          </p:cNvPicPr>
+          <p:nvPr/>
+        </p:nvPicPr>
+        <p:blipFill>
+          <a:blip r:embed="rId2"/>
+          <a:stretch>
+            <a:fillRect/>
+          </a:stretch>
+        </p:blipFill>
+        <p:spPr>
+          <a:xfrm>
+            <a:off x="1631577" y="174932"/>
+            <a:ext cx="8928846" cy="6508137"/>
+          </a:xfrm>
+          <a:prstGeom prst="rect">
+            <a:avLst/>
+          </a:prstGeom>
+          <a:ln>
+            <a:solidFill>
+              <a:schemeClr val="tx1"/>
+            </a:solidFill>
+          </a:ln>
+        </p:spPr>
+      </p:pic>
+      <p:sp>
+        <p:nvSpPr>
+          <p:cNvPr id="44" name="Right Arrow 43"/>
+          <p:cNvSpPr/>
+          <p:nvPr/>
+        </p:nvSpPr>
+        <p:spPr>
+          <a:xfrm rot="16200000">
+            <a:off x="9466731" y="5096434"/>
+            <a:ext cx="658906" cy="779930"/>
+          </a:xfrm>
+          <a:prstGeom prst="rightArrow">
+            <a:avLst/>
+          </a:prstGeom>
+        </p:spPr>
+        <p:style>
+          <a:lnRef idx="2">
+            <a:schemeClr val="accent2">
+              <a:shade val="50000"/>
+            </a:schemeClr>
+          </a:lnRef>
+          <a:fillRef idx="1">
+            <a:schemeClr val="accent2"/>
+          </a:fillRef>
+          <a:effectRef idx="0">
+            <a:schemeClr val="accent2"/>
+          </a:effectRef>
+          <a:fontRef idx="minor">
+            <a:schemeClr val="lt1"/>
+          </a:fontRef>
+        </p:style>
+        <p:txBody>
+          <a:bodyPr rtlCol="0" anchor="ctr"/>
+          <a:lstStyle/>
+          <a:p>
+            <a:pPr algn="ctr"/>
+            <a:endParaRPr lang="es-AR"/>
+          </a:p>
+        </p:txBody>
+      </p:sp>
+    </p:spTree>
+    <p:extLst>
+      <p:ext uri="{BB962C8B-B14F-4D97-AF65-F5344CB8AC3E}">
+        <p14:creationId xmlns:p14="http://schemas.microsoft.com/office/powerpoint/2010/main" val="3018412599"/>
+      </p:ext>
+    </p:extLst>
+  </p:cSld>
+  <p:clrMapOvr>
+    <a:masterClrMapping/>
+  </p:clrMapOvr>
+  <p:timing>
+    <p:tnLst>
+      <p:par>
+        <p:cTn id="1" dur="indefinite" restart="never" nodeType="tmRoot"/>
+      </p:par>
+    </p:tnLst>
+  </p:timing>
+</p:sld>
+</file>
+
+<file path=ppt/slides/slide15.xml><?xml version="1.0" encoding="utf-8"?>
+<p:sld xmlns:a="http://schemas.openxmlformats.org/drawingml/2006/main" xmlns:r="http://schemas.openxmlformats.org/officeDocument/2006/relationships" xmlns:p="http://schemas.openxmlformats.org/presentationml/2006/main">
+  <p:cSld>
+    <p:spTree>
+      <p:nvGrpSpPr>
+        <p:cNvPr id="1" name=""/>
+        <p:cNvGrpSpPr/>
+        <p:nvPr/>
+      </p:nvGrpSpPr>
+      <p:grpSpPr>
+        <a:xfrm>
+          <a:off x="0" y="0"/>
+          <a:ext cx="0" cy="0"/>
+          <a:chOff x="0" y="0"/>
+          <a:chExt cx="0" cy="0"/>
+        </a:xfrm>
+      </p:grpSpPr>
+      <p:sp>
+        <p:nvSpPr>
+          <p:cNvPr id="2" name="Title 1"/>
+          <p:cNvSpPr>
+            <a:spLocks noGrp="1"/>
+          </p:cNvSpPr>
+          <p:nvPr>
+            <p:ph type="title"/>
+          </p:nvPr>
+        </p:nvSpPr>
+        <p:spPr>
+          <a:xfrm>
+            <a:off x="667130" y="259388"/>
+            <a:ext cx="10772775" cy="1658198"/>
+          </a:xfrm>
+        </p:spPr>
+        <p:txBody>
+          <a:bodyPr/>
+          <a:lstStyle/>
+          <a:p>
+            <a:pPr algn="ctr"/>
+            <a:r>
+              <a:rPr lang="es-AR" dirty="0" smtClean="0"/>
+              <a:t>Lecciones aprendidas – Sprint #5</a:t>
+            </a:r>
+            <a:endParaRPr lang="es-AR" dirty="0"/>
+          </a:p>
+        </p:txBody>
+      </p:sp>
+      <p:sp>
+        <p:nvSpPr>
+          <p:cNvPr id="5" name="2 Marcador de contenido"/>
+          <p:cNvSpPr>
+            <a:spLocks noGrp="1"/>
+          </p:cNvSpPr>
+          <p:nvPr>
+            <p:ph idx="1"/>
+          </p:nvPr>
+        </p:nvSpPr>
+        <p:spPr>
+          <a:xfrm>
+            <a:off x="676656" y="1838036"/>
+            <a:ext cx="10753725" cy="4738255"/>
+          </a:xfrm>
+        </p:spPr>
+        <p:txBody>
+          <a:bodyPr>
+            <a:noAutofit/>
+          </a:bodyPr>
+          <a:lstStyle/>
+          <a:p>
+            <a:pPr lvl="0">
+              <a:buClr>
+                <a:srgbClr val="00B050"/>
+              </a:buClr>
+              <a:buFont typeface="Wingdings" panose="05000000000000000000" pitchFamily="2" charset="2"/>
+              <a:buChar char="Ø"/>
+            </a:pPr>
+            <a:r>
+              <a:rPr lang="es-AR" sz="3200" dirty="0" smtClean="0"/>
+              <a:t>Fue fundamental la gestión de los riesgos (</a:t>
+            </a:r>
+            <a:r>
+              <a:rPr lang="es-AR" sz="3200" dirty="0" err="1" smtClean="0"/>
+              <a:t>exámen</a:t>
+            </a:r>
+            <a:r>
+              <a:rPr lang="es-AR" sz="3200" dirty="0" smtClean="0"/>
+              <a:t>) para poder terminar el proyecto cumpliendo con el cliente</a:t>
+            </a:r>
+          </a:p>
+          <a:p>
+            <a:pPr lvl="0">
+              <a:buClr>
+                <a:srgbClr val="00B050"/>
+              </a:buClr>
+              <a:buFont typeface="Wingdings" panose="05000000000000000000" pitchFamily="2" charset="2"/>
+              <a:buChar char="Ø"/>
+            </a:pPr>
+            <a:endParaRPr lang="es-AR" sz="2600" dirty="0"/>
+          </a:p>
+          <a:p>
+            <a:pPr lvl="0">
+              <a:buClr>
+                <a:srgbClr val="00B050"/>
+              </a:buClr>
+              <a:buFont typeface="Wingdings" panose="05000000000000000000" pitchFamily="2" charset="2"/>
+              <a:buChar char="Ø"/>
+            </a:pPr>
+            <a:r>
+              <a:rPr lang="en-US" sz="3200" dirty="0" err="1" smtClean="0"/>
+              <a:t>Faltó</a:t>
+            </a:r>
+            <a:r>
+              <a:rPr lang="en-US" sz="3200" dirty="0" smtClean="0"/>
+              <a:t> </a:t>
+            </a:r>
+            <a:r>
+              <a:rPr lang="en-US" sz="3200" dirty="0" err="1" smtClean="0"/>
+              <a:t>agregar</a:t>
+            </a:r>
+            <a:r>
+              <a:rPr lang="en-US" sz="3200" dirty="0" smtClean="0"/>
+              <a:t> spike para </a:t>
+            </a:r>
+            <a:r>
+              <a:rPr lang="en-US" sz="3200" dirty="0" err="1" smtClean="0"/>
+              <a:t>creación</a:t>
+            </a:r>
+            <a:r>
+              <a:rPr lang="en-US" sz="3200" dirty="0" smtClean="0"/>
+              <a:t> de reports en </a:t>
+            </a:r>
+            <a:r>
+              <a:rPr lang="en-US" sz="3200" dirty="0" err="1" smtClean="0"/>
+              <a:t>formato</a:t>
+            </a:r>
+            <a:r>
+              <a:rPr lang="en-US" sz="3200" dirty="0" smtClean="0"/>
+              <a:t> PDF</a:t>
+            </a:r>
+            <a:endParaRPr lang="es-AR" sz="4000" dirty="0" smtClean="0"/>
+          </a:p>
+        </p:txBody>
+      </p:sp>
+    </p:spTree>
+    <p:extLst>
+      <p:ext uri="{BB962C8B-B14F-4D97-AF65-F5344CB8AC3E}">
+        <p14:creationId xmlns:p14="http://schemas.microsoft.com/office/powerpoint/2010/main" val="4094428205"/>
+      </p:ext>
+    </p:extLst>
+  </p:cSld>
+  <p:clrMapOvr>
+    <a:masterClrMapping/>
+  </p:clrMapOvr>
+  <p:timing>
+    <p:tnLst>
+      <p:par>
+        <p:cTn id="1" dur="indefinite" restart="never" nodeType="tmRoot"/>
+      </p:par>
+    </p:tnLst>
+  </p:timing>
+</p:sld>
+</file>
+
+<file path=ppt/slides/slide16.xml><?xml version="1.0" encoding="utf-8"?>
+<p:sld xmlns:a="http://schemas.openxmlformats.org/drawingml/2006/main" xmlns:r="http://schemas.openxmlformats.org/officeDocument/2006/relationships" xmlns:p="http://schemas.openxmlformats.org/presentationml/2006/main">
+  <p:cSld>
+    <p:spTree>
+      <p:nvGrpSpPr>
+        <p:cNvPr id="1" name=""/>
+        <p:cNvGrpSpPr/>
+        <p:nvPr/>
+      </p:nvGrpSpPr>
+      <p:grpSpPr>
+        <a:xfrm>
+          <a:off x="0" y="0"/>
+          <a:ext cx="0" cy="0"/>
+          <a:chOff x="0" y="0"/>
+          <a:chExt cx="0" cy="0"/>
+        </a:xfrm>
+      </p:grpSpPr>
       <p:graphicFrame>
         <p:nvGraphicFramePr>
           <p:cNvPr id="2" name="Table 1"/>
@@ -4690,7 +5765,7 @@
 </p:sld>
 </file>
 
-<file path=ppt/slides/slide11.xml><?xml version="1.0" encoding="utf-8"?>
+<file path=ppt/slides/slide17.xml><?xml version="1.0" encoding="utf-8"?>
 <p:sld xmlns:a="http://schemas.openxmlformats.org/drawingml/2006/main" xmlns:r="http://schemas.openxmlformats.org/officeDocument/2006/relationships" xmlns:p="http://schemas.openxmlformats.org/presentationml/2006/main">
   <p:cSld>
     <p:spTree>
@@ -4756,7 +5831,7 @@
 </p:sld>
 </file>
 
-<file path=ppt/slides/slide12.xml><?xml version="1.0" encoding="utf-8"?>
+<file path=ppt/slides/slide18.xml><?xml version="1.0" encoding="utf-8"?>
 <p:sld xmlns:a="http://schemas.openxmlformats.org/drawingml/2006/main" xmlns:r="http://schemas.openxmlformats.org/officeDocument/2006/relationships" xmlns:p="http://schemas.openxmlformats.org/presentationml/2006/main">
   <p:cSld>
     <p:spTree>
@@ -4822,7 +5897,7 @@
 </p:sld>
 </file>
 
-<file path=ppt/slides/slide13.xml><?xml version="1.0" encoding="utf-8"?>
+<file path=ppt/slides/slide19.xml><?xml version="1.0" encoding="utf-8"?>
 <p:sld xmlns:a="http://schemas.openxmlformats.org/drawingml/2006/main" xmlns:r="http://schemas.openxmlformats.org/officeDocument/2006/relationships" xmlns:p="http://schemas.openxmlformats.org/presentationml/2006/main">
   <p:cSld>
     <p:spTree>
@@ -5919,6 +6994,112 @@
           <a:chExt cx="0" cy="0"/>
         </a:xfrm>
       </p:grpSpPr>
+      <p:pic>
+        <p:nvPicPr>
+          <p:cNvPr id="43" name="Picture 42"/>
+          <p:cNvPicPr>
+            <a:picLocks noChangeAspect="1"/>
+          </p:cNvPicPr>
+          <p:nvPr/>
+        </p:nvPicPr>
+        <p:blipFill>
+          <a:blip r:embed="rId2"/>
+          <a:stretch>
+            <a:fillRect/>
+          </a:stretch>
+        </p:blipFill>
+        <p:spPr>
+          <a:xfrm>
+            <a:off x="1631577" y="174932"/>
+            <a:ext cx="8928846" cy="6508137"/>
+          </a:xfrm>
+          <a:prstGeom prst="rect">
+            <a:avLst/>
+          </a:prstGeom>
+          <a:ln>
+            <a:solidFill>
+              <a:schemeClr val="tx1"/>
+            </a:solidFill>
+          </a:ln>
+        </p:spPr>
+      </p:pic>
+      <p:sp>
+        <p:nvSpPr>
+          <p:cNvPr id="44" name="Right Arrow 43"/>
+          <p:cNvSpPr/>
+          <p:nvPr/>
+        </p:nvSpPr>
+        <p:spPr>
+          <a:xfrm rot="16200000">
+            <a:off x="3375212" y="4908176"/>
+            <a:ext cx="658906" cy="779930"/>
+          </a:xfrm>
+          <a:prstGeom prst="rightArrow">
+            <a:avLst/>
+          </a:prstGeom>
+        </p:spPr>
+        <p:style>
+          <a:lnRef idx="2">
+            <a:schemeClr val="accent2">
+              <a:shade val="50000"/>
+            </a:schemeClr>
+          </a:lnRef>
+          <a:fillRef idx="1">
+            <a:schemeClr val="accent2"/>
+          </a:fillRef>
+          <a:effectRef idx="0">
+            <a:schemeClr val="accent2"/>
+          </a:effectRef>
+          <a:fontRef idx="minor">
+            <a:schemeClr val="lt1"/>
+          </a:fontRef>
+        </p:style>
+        <p:txBody>
+          <a:bodyPr rtlCol="0" anchor="ctr"/>
+          <a:lstStyle/>
+          <a:p>
+            <a:pPr algn="ctr"/>
+            <a:endParaRPr lang="es-AR"/>
+          </a:p>
+        </p:txBody>
+      </p:sp>
+    </p:spTree>
+    <p:extLst>
+      <p:ext uri="{BB962C8B-B14F-4D97-AF65-F5344CB8AC3E}">
+        <p14:creationId xmlns:p14="http://schemas.microsoft.com/office/powerpoint/2010/main" val="1170143063"/>
+      </p:ext>
+    </p:extLst>
+  </p:cSld>
+  <p:clrMapOvr>
+    <a:masterClrMapping/>
+  </p:clrMapOvr>
+  <p:timing>
+    <p:tnLst>
+      <p:par>
+        <p:cTn id="1" dur="indefinite" restart="never" nodeType="tmRoot"/>
+      </p:par>
+    </p:tnLst>
+  </p:timing>
+</p:sld>
+</file>
+
+<file path=ppt/slides/slide4.xml><?xml version="1.0" encoding="utf-8"?>
+<p:sld xmlns:a="http://schemas.openxmlformats.org/drawingml/2006/main" xmlns:r="http://schemas.openxmlformats.org/officeDocument/2006/relationships" xmlns:p="http://schemas.openxmlformats.org/presentationml/2006/main">
+  <p:cSld>
+    <p:spTree>
+      <p:nvGrpSpPr>
+        <p:cNvPr id="1" name=""/>
+        <p:cNvGrpSpPr/>
+        <p:nvPr/>
+      </p:nvGrpSpPr>
+      <p:grpSpPr>
+        <a:xfrm>
+          <a:off x="0" y="0"/>
+          <a:ext cx="0" cy="0"/>
+          <a:chOff x="0" y="0"/>
+          <a:chExt cx="0" cy="0"/>
+        </a:xfrm>
+      </p:grpSpPr>
       <p:sp>
         <p:nvSpPr>
           <p:cNvPr id="2" name="1 Título"/>
@@ -6080,6 +7261,95 @@
             <a:r>
               <a:rPr lang="en-US" sz="3200" dirty="0" err="1" smtClean="0"/>
               <a:t>cliente</a:t>
+            </a:r>
+            <a:endParaRPr lang="en-US" sz="3200" dirty="0" smtClean="0"/>
+          </a:p>
+          <a:p>
+            <a:pPr>
+              <a:buClr>
+                <a:srgbClr val="00B050"/>
+              </a:buClr>
+              <a:buFont typeface="Wingdings" panose="05000000000000000000" pitchFamily="2" charset="2"/>
+              <a:buChar char="Ø"/>
+              <a:tabLst>
+                <a:tab pos="357188" algn="l"/>
+              </a:tabLst>
+            </a:pPr>
+            <a:r>
+              <a:rPr lang="en-US" sz="3200" dirty="0" err="1" smtClean="0"/>
+              <a:t>Tareas</a:t>
+            </a:r>
+            <a:r>
+              <a:rPr lang="en-US" sz="3200" dirty="0" smtClean="0"/>
+              <a:t> </a:t>
+            </a:r>
+            <a:r>
+              <a:rPr lang="en-US" sz="3200" dirty="0" err="1" smtClean="0"/>
+              <a:t>atómicas</a:t>
+            </a:r>
+            <a:r>
+              <a:rPr lang="en-US" sz="3200" dirty="0" smtClean="0"/>
+              <a:t> </a:t>
+            </a:r>
+            <a:r>
+              <a:rPr lang="en-US" sz="3200" dirty="0" err="1" smtClean="0"/>
+              <a:t>deján</a:t>
+            </a:r>
+            <a:r>
+              <a:rPr lang="en-US" sz="3200" dirty="0" smtClean="0"/>
+              <a:t> en </a:t>
+            </a:r>
+            <a:r>
+              <a:rPr lang="en-US" sz="3200" dirty="0" err="1" smtClean="0"/>
+              <a:t>claro</a:t>
+            </a:r>
+            <a:r>
+              <a:rPr lang="en-US" sz="3200" dirty="0" smtClean="0"/>
+              <a:t> lo </a:t>
+            </a:r>
+            <a:r>
+              <a:rPr lang="en-US" sz="3200" dirty="0" err="1" smtClean="0"/>
+              <a:t>que</a:t>
+            </a:r>
+            <a:r>
+              <a:rPr lang="en-US" sz="3200" dirty="0" smtClean="0"/>
+              <a:t> hay </a:t>
+            </a:r>
+            <a:r>
+              <a:rPr lang="en-US" sz="3200" dirty="0" err="1" smtClean="0"/>
+              <a:t>que</a:t>
+            </a:r>
+            <a:r>
+              <a:rPr lang="en-US" sz="3200" dirty="0" smtClean="0"/>
+              <a:t> </a:t>
+            </a:r>
+            <a:r>
+              <a:rPr lang="en-US" sz="3200" dirty="0" err="1" smtClean="0"/>
+              <a:t>hacer</a:t>
+            </a:r>
+            <a:r>
+              <a:rPr lang="en-US" sz="3200" dirty="0" smtClean="0"/>
+              <a:t> y </a:t>
+            </a:r>
+            <a:r>
+              <a:rPr lang="en-US" sz="3200" dirty="0" err="1" smtClean="0"/>
+              <a:t>sirven</a:t>
+            </a:r>
+            <a:r>
+              <a:rPr lang="en-US" sz="3200" dirty="0" smtClean="0"/>
+              <a:t> para </a:t>
+            </a:r>
+            <a:r>
+              <a:rPr lang="en-US" sz="3200" dirty="0" err="1" smtClean="0"/>
+              <a:t>mostrar</a:t>
+            </a:r>
+            <a:r>
+              <a:rPr lang="en-US" sz="3200" dirty="0" smtClean="0"/>
+              <a:t> </a:t>
+            </a:r>
+            <a:r>
+              <a:rPr lang="en-US" sz="3200" dirty="0" err="1" smtClean="0"/>
+              <a:t>progreso</a:t>
             </a:r>
             <a:endParaRPr lang="es-AR" sz="3200" dirty="0"/>
           </a:p>
@@ -6105,7 +7375,138 @@
 </p:sld>
 </file>
 
-<file path=ppt/slides/slide4.xml><?xml version="1.0" encoding="utf-8"?>
+<file path=ppt/slides/slide5.xml><?xml version="1.0" encoding="utf-8"?>
+<p:sld xmlns:a="http://schemas.openxmlformats.org/drawingml/2006/main" xmlns:r="http://schemas.openxmlformats.org/officeDocument/2006/relationships" xmlns:p="http://schemas.openxmlformats.org/presentationml/2006/main">
+  <p:cSld>
+    <p:spTree>
+      <p:nvGrpSpPr>
+        <p:cNvPr id="1" name=""/>
+        <p:cNvGrpSpPr/>
+        <p:nvPr/>
+      </p:nvGrpSpPr>
+      <p:grpSpPr>
+        <a:xfrm>
+          <a:off x="0" y="0"/>
+          <a:ext cx="0" cy="0"/>
+          <a:chOff x="0" y="0"/>
+          <a:chExt cx="0" cy="0"/>
+        </a:xfrm>
+      </p:grpSpPr>
+      <p:sp>
+        <p:nvSpPr>
+          <p:cNvPr id="2" name="1 Título"/>
+          <p:cNvSpPr>
+            <a:spLocks noGrp="1"/>
+          </p:cNvSpPr>
+          <p:nvPr>
+            <p:ph type="title"/>
+          </p:nvPr>
+        </p:nvSpPr>
+        <p:spPr>
+          <a:xfrm>
+            <a:off x="1952596" y="285728"/>
+            <a:ext cx="8229600" cy="1143000"/>
+          </a:xfrm>
+        </p:spPr>
+        <p:txBody>
+          <a:bodyPr/>
+          <a:lstStyle/>
+          <a:p>
+            <a:pPr algn="ctr"/>
+            <a:r>
+              <a:rPr lang="es-AR" dirty="0" smtClean="0"/>
+              <a:t>Sprint 1 - </a:t>
+            </a:r>
+            <a:r>
+              <a:rPr lang="es-AR" dirty="0" err="1" smtClean="0"/>
+              <a:t>Burndown</a:t>
+            </a:r>
+            <a:r>
+              <a:rPr lang="es-AR" dirty="0" smtClean="0"/>
+              <a:t> </a:t>
+            </a:r>
+            <a:r>
+              <a:rPr lang="es-AR" dirty="0" smtClean="0"/>
+              <a:t>Chart	</a:t>
+            </a:r>
+            <a:endParaRPr lang="es-AR" dirty="0"/>
+          </a:p>
+        </p:txBody>
+      </p:sp>
+      <p:sp>
+        <p:nvSpPr>
+          <p:cNvPr id="1026" name="AutoShape 2" descr="Inline image 2"/>
+          <p:cNvSpPr>
+            <a:spLocks noChangeAspect="1" noChangeArrowheads="1"/>
+          </p:cNvSpPr>
+          <p:nvPr/>
+        </p:nvSpPr>
+        <p:spPr bwMode="auto">
+          <a:xfrm>
+            <a:off x="1679575" y="-144463"/>
+            <a:ext cx="304800" cy="304801"/>
+          </a:xfrm>
+          <a:prstGeom prst="rect">
+            <a:avLst/>
+          </a:prstGeom>
+          <a:noFill/>
+        </p:spPr>
+        <p:txBody>
+          <a:bodyPr vert="horz" wrap="square" lIns="91440" tIns="45720" rIns="91440" bIns="45720" numCol="1" anchor="t" anchorCtr="0" compatLnSpc="1">
+            <a:prstTxWarp prst="textNoShape">
+              <a:avLst/>
+            </a:prstTxWarp>
+          </a:bodyPr>
+          <a:lstStyle/>
+          <a:p>
+            <a:endParaRPr lang="es-AR"/>
+          </a:p>
+        </p:txBody>
+      </p:sp>
+      <p:pic>
+        <p:nvPicPr>
+          <p:cNvPr id="6" name="Picture 5"/>
+          <p:cNvPicPr>
+            <a:picLocks noChangeAspect="1"/>
+          </p:cNvPicPr>
+          <p:nvPr/>
+        </p:nvPicPr>
+        <p:blipFill rotWithShape="1">
+          <a:blip r:embed="rId2"/>
+          <a:srcRect l="1804" t="13236" r="1769" b="12133"/>
+          <a:stretch/>
+        </p:blipFill>
+        <p:spPr>
+          <a:xfrm>
+            <a:off x="927846" y="1554118"/>
+            <a:ext cx="10722903" cy="4666129"/>
+          </a:xfrm>
+          <a:prstGeom prst="rect">
+            <a:avLst/>
+          </a:prstGeom>
+        </p:spPr>
+      </p:pic>
+    </p:spTree>
+    <p:extLst>
+      <p:ext uri="{BB962C8B-B14F-4D97-AF65-F5344CB8AC3E}">
+        <p14:creationId xmlns:p14="http://schemas.microsoft.com/office/powerpoint/2010/main" val="3323693560"/>
+      </p:ext>
+    </p:extLst>
+  </p:cSld>
+  <p:clrMapOvr>
+    <a:masterClrMapping/>
+  </p:clrMapOvr>
+  <p:timing>
+    <p:tnLst>
+      <p:par>
+        <p:cTn id="1" dur="indefinite" restart="never" nodeType="tmRoot"/>
+      </p:par>
+    </p:tnLst>
+  </p:timing>
+</p:sld>
+</file>
+
+<file path=ppt/slides/slide6.xml><?xml version="1.0" encoding="utf-8"?>
 <p:sld xmlns:a="http://schemas.openxmlformats.org/drawingml/2006/main" xmlns:r="http://schemas.openxmlformats.org/officeDocument/2006/relationships" xmlns:p="http://schemas.openxmlformats.org/presentationml/2006/main">
   <p:cSld>
     <p:spTree>
@@ -7219,7 +8620,7 @@
 </p:sld>
 </file>
 
-<file path=ppt/slides/slide5.xml><?xml version="1.0" encoding="utf-8"?>
+<file path=ppt/slides/slide7.xml><?xml version="1.0" encoding="utf-8"?>
 <p:sld xmlns:a="http://schemas.openxmlformats.org/drawingml/2006/main" xmlns:r="http://schemas.openxmlformats.org/officeDocument/2006/relationships" xmlns:p="http://schemas.openxmlformats.org/presentationml/2006/main">
   <p:cSld>
     <p:spTree>
@@ -7236,6 +8637,112 @@
           <a:chExt cx="0" cy="0"/>
         </a:xfrm>
       </p:grpSpPr>
+      <p:pic>
+        <p:nvPicPr>
+          <p:cNvPr id="43" name="Picture 42"/>
+          <p:cNvPicPr>
+            <a:picLocks noChangeAspect="1"/>
+          </p:cNvPicPr>
+          <p:nvPr/>
+        </p:nvPicPr>
+        <p:blipFill>
+          <a:blip r:embed="rId2"/>
+          <a:stretch>
+            <a:fillRect/>
+          </a:stretch>
+        </p:blipFill>
+        <p:spPr>
+          <a:xfrm>
+            <a:off x="1631577" y="174932"/>
+            <a:ext cx="8928846" cy="6508137"/>
+          </a:xfrm>
+          <a:prstGeom prst="rect">
+            <a:avLst/>
+          </a:prstGeom>
+          <a:ln>
+            <a:solidFill>
+              <a:schemeClr val="tx1"/>
+            </a:solidFill>
+          </a:ln>
+        </p:spPr>
+      </p:pic>
+      <p:sp>
+        <p:nvSpPr>
+          <p:cNvPr id="44" name="Right Arrow 43"/>
+          <p:cNvSpPr/>
+          <p:nvPr/>
+        </p:nvSpPr>
+        <p:spPr>
+          <a:xfrm rot="16200000">
+            <a:off x="4693024" y="4948517"/>
+            <a:ext cx="658906" cy="779930"/>
+          </a:xfrm>
+          <a:prstGeom prst="rightArrow">
+            <a:avLst/>
+          </a:prstGeom>
+        </p:spPr>
+        <p:style>
+          <a:lnRef idx="2">
+            <a:schemeClr val="accent2">
+              <a:shade val="50000"/>
+            </a:schemeClr>
+          </a:lnRef>
+          <a:fillRef idx="1">
+            <a:schemeClr val="accent2"/>
+          </a:fillRef>
+          <a:effectRef idx="0">
+            <a:schemeClr val="accent2"/>
+          </a:effectRef>
+          <a:fontRef idx="minor">
+            <a:schemeClr val="lt1"/>
+          </a:fontRef>
+        </p:style>
+        <p:txBody>
+          <a:bodyPr rtlCol="0" anchor="ctr"/>
+          <a:lstStyle/>
+          <a:p>
+            <a:pPr algn="ctr"/>
+            <a:endParaRPr lang="es-AR"/>
+          </a:p>
+        </p:txBody>
+      </p:sp>
+    </p:spTree>
+    <p:extLst>
+      <p:ext uri="{BB962C8B-B14F-4D97-AF65-F5344CB8AC3E}">
+        <p14:creationId xmlns:p14="http://schemas.microsoft.com/office/powerpoint/2010/main" val="2277193577"/>
+      </p:ext>
+    </p:extLst>
+  </p:cSld>
+  <p:clrMapOvr>
+    <a:masterClrMapping/>
+  </p:clrMapOvr>
+  <p:timing>
+    <p:tnLst>
+      <p:par>
+        <p:cTn id="1" dur="indefinite" restart="never" nodeType="tmRoot"/>
+      </p:par>
+    </p:tnLst>
+  </p:timing>
+</p:sld>
+</file>
+
+<file path=ppt/slides/slide8.xml><?xml version="1.0" encoding="utf-8"?>
+<p:sld xmlns:a="http://schemas.openxmlformats.org/drawingml/2006/main" xmlns:r="http://schemas.openxmlformats.org/officeDocument/2006/relationships" xmlns:p="http://schemas.openxmlformats.org/presentationml/2006/main">
+  <p:cSld>
+    <p:spTree>
+      <p:nvGrpSpPr>
+        <p:cNvPr id="1" name=""/>
+        <p:cNvGrpSpPr/>
+        <p:nvPr/>
+      </p:nvGrpSpPr>
+      <p:grpSpPr>
+        <a:xfrm>
+          <a:off x="0" y="0"/>
+          <a:ext cx="0" cy="0"/>
+          <a:chOff x="0" y="0"/>
+          <a:chExt cx="0" cy="0"/>
+        </a:xfrm>
+      </p:grpSpPr>
       <p:sp>
         <p:nvSpPr>
           <p:cNvPr id="2" name="1 Título"/>
@@ -7285,7 +8792,7 @@
         </p:spPr>
         <p:txBody>
           <a:bodyPr>
-            <a:normAutofit lnSpcReduction="10000"/>
+            <a:normAutofit fontScale="92500" lnSpcReduction="10000"/>
           </a:bodyPr>
           <a:lstStyle/>
           <a:p>
@@ -7467,8 +8974,62 @@
               <a:t> </a:t>
             </a:r>
             <a:r>
-              <a:rPr lang="en-US" sz="2800" dirty="0" err="1"/>
+              <a:rPr lang="en-US" sz="2800" dirty="0" err="1" smtClean="0"/>
               <a:t>aprobado</a:t>
+            </a:r>
+            <a:endParaRPr lang="en-US" sz="2800" dirty="0" smtClean="0"/>
+          </a:p>
+          <a:p>
+            <a:pPr marL="971550" lvl="2" indent="-514350">
+              <a:buClr>
+                <a:srgbClr val="00B050"/>
+              </a:buClr>
+              <a:buFont typeface="Wingdings" panose="05000000000000000000" pitchFamily="2" charset="2"/>
+              <a:buChar char="§"/>
+            </a:pPr>
+            <a:r>
+              <a:rPr lang="en-US" sz="2800" dirty="0" err="1" smtClean="0"/>
+              <a:t>Reunión</a:t>
+            </a:r>
+            <a:r>
+              <a:rPr lang="en-US" sz="2800" dirty="0" smtClean="0"/>
+              <a:t> del </a:t>
+            </a:r>
+            <a:r>
+              <a:rPr lang="en-US" sz="2800" dirty="0" err="1" smtClean="0"/>
+              <a:t>equipo</a:t>
+            </a:r>
+            <a:r>
+              <a:rPr lang="en-US" sz="2800" dirty="0" smtClean="0"/>
+              <a:t> para </a:t>
+            </a:r>
+            <a:r>
+              <a:rPr lang="en-US" sz="2800" dirty="0" err="1" smtClean="0"/>
+              <a:t>dejar</a:t>
+            </a:r>
+            <a:r>
+              <a:rPr lang="en-US" sz="2800" dirty="0" smtClean="0"/>
+              <a:t> en </a:t>
+            </a:r>
+            <a:r>
+              <a:rPr lang="en-US" sz="2800" dirty="0" err="1" smtClean="0"/>
+              <a:t>claro</a:t>
+            </a:r>
+            <a:r>
+              <a:rPr lang="en-US" sz="2800" dirty="0" smtClean="0"/>
+              <a:t> </a:t>
+            </a:r>
+            <a:r>
+              <a:rPr lang="en-US" sz="2800" dirty="0" err="1" smtClean="0"/>
+              <a:t>las</a:t>
+            </a:r>
+            <a:r>
+              <a:rPr lang="en-US" sz="2800" dirty="0" smtClean="0"/>
+              <a:t> </a:t>
+            </a:r>
+            <a:r>
+              <a:rPr lang="en-US" sz="2800" dirty="0" err="1" smtClean="0"/>
+              <a:t>prioridades</a:t>
             </a:r>
             <a:endParaRPr lang="es-AR" sz="2800" dirty="0"/>
           </a:p>
@@ -7604,9 +9165,37 @@
             </a:r>
             <a:r>
               <a:rPr lang="en-US" sz="3200" dirty="0" smtClean="0"/>
+              <a:t>. </a:t>
+            </a:r>
+            <a:r>
+              <a:rPr lang="en-US" sz="3200" dirty="0" err="1" smtClean="0"/>
+              <a:t>Uso</a:t>
+            </a:r>
+            <a:r>
+              <a:rPr lang="en-US" sz="3200" dirty="0" smtClean="0"/>
+              <a:t> de </a:t>
+            </a:r>
+            <a:r>
+              <a:rPr lang="en-US" sz="3200" b="1" dirty="0" smtClean="0">
+                <a:solidFill>
+                  <a:srgbClr val="FF0000"/>
+                </a:solidFill>
+              </a:rPr>
+              <a:t>URGENTE</a:t>
+            </a:r>
+            <a:r>
+              <a:rPr lang="en-US" sz="3200" dirty="0" smtClean="0">
+                <a:solidFill>
+                  <a:schemeClr val="tx1"/>
+                </a:solidFill>
+              </a:rPr>
               <a:t>.</a:t>
             </a:r>
-            <a:endParaRPr lang="es-AR" sz="3200" dirty="0"/>
+            <a:endParaRPr lang="es-AR" sz="3200" dirty="0">
+              <a:solidFill>
+                <a:schemeClr val="tx1"/>
+              </a:solidFill>
+            </a:endParaRPr>
           </a:p>
         </p:txBody>
       </p:sp>
@@ -7630,7 +9219,7 @@
 </p:sld>
 </file>
 
-<file path=ppt/slides/slide6.xml><?xml version="1.0" encoding="utf-8"?>
+<file path=ppt/slides/slide9.xml><?xml version="1.0" encoding="utf-8"?>
 <p:sld xmlns:a="http://schemas.openxmlformats.org/drawingml/2006/main" xmlns:r="http://schemas.openxmlformats.org/officeDocument/2006/relationships" xmlns:p="http://schemas.openxmlformats.org/presentationml/2006/main">
   <p:cSld>
     <p:spTree>
@@ -8739,18 +10328,34 @@
           <a:lstStyle/>
           <a:p>
             <a:r>
-              <a:rPr lang="en-US" dirty="0" err="1" smtClean="0"/>
+              <a:rPr lang="en-US" dirty="0" err="1" smtClean="0">
+                <a:solidFill>
+                  <a:srgbClr val="00B050"/>
+                </a:solidFill>
+              </a:rPr>
               <a:t>Análisis</a:t>
             </a:r>
             <a:r>
-              <a:rPr lang="en-US" dirty="0" smtClean="0"/>
+              <a:rPr lang="en-US" dirty="0" smtClean="0">
+                <a:solidFill>
+                  <a:srgbClr val="00B050"/>
+                </a:solidFill>
+              </a:rPr>
               <a:t> </a:t>
             </a:r>
             <a:r>
-              <a:rPr lang="en-US" dirty="0" err="1" smtClean="0"/>
+              <a:rPr lang="en-US" dirty="0" err="1" smtClean="0">
+                <a:solidFill>
+                  <a:srgbClr val="00B050"/>
+                </a:solidFill>
+              </a:rPr>
               <a:t>estimaciones</a:t>
             </a:r>
-            <a:endParaRPr lang="es-AR" dirty="0"/>
+            <a:endParaRPr lang="es-AR" dirty="0">
+              <a:solidFill>
+                <a:srgbClr val="00B050"/>
+              </a:solidFill>
+            </a:endParaRPr>
           </a:p>
         </p:txBody>
       </p:sp>
@@ -8758,757 +10363,6 @@
     <p:extLst>
       <p:ext uri="{BB962C8B-B14F-4D97-AF65-F5344CB8AC3E}">
         <p14:creationId xmlns:p14="http://schemas.microsoft.com/office/powerpoint/2010/main" val="1049106070"/>
-      </p:ext>
-    </p:extLst>
-  </p:cSld>
-  <p:clrMapOvr>
-    <a:masterClrMapping/>
-  </p:clrMapOvr>
-  <p:timing>
-    <p:tnLst>
-      <p:par>
-        <p:cTn id="1" dur="indefinite" restart="never" nodeType="tmRoot"/>
-      </p:par>
-    </p:tnLst>
-  </p:timing>
-</p:sld>
-</file>
-
-<file path=ppt/slides/slide7.xml><?xml version="1.0" encoding="utf-8"?>
-<p:sld xmlns:a="http://schemas.openxmlformats.org/drawingml/2006/main" xmlns:r="http://schemas.openxmlformats.org/officeDocument/2006/relationships" xmlns:p="http://schemas.openxmlformats.org/presentationml/2006/main">
-  <p:cSld>
-    <p:spTree>
-      <p:nvGrpSpPr>
-        <p:cNvPr id="1" name=""/>
-        <p:cNvGrpSpPr/>
-        <p:nvPr/>
-      </p:nvGrpSpPr>
-      <p:grpSpPr>
-        <a:xfrm>
-          <a:off x="0" y="0"/>
-          <a:ext cx="0" cy="0"/>
-          <a:chOff x="0" y="0"/>
-          <a:chExt cx="0" cy="0"/>
-        </a:xfrm>
-      </p:grpSpPr>
-      <p:sp>
-        <p:nvSpPr>
-          <p:cNvPr id="2" name="1 Título"/>
-          <p:cNvSpPr>
-            <a:spLocks noGrp="1"/>
-          </p:cNvSpPr>
-          <p:nvPr>
-            <p:ph type="title"/>
-          </p:nvPr>
-        </p:nvSpPr>
-        <p:spPr>
-          <a:xfrm>
-            <a:off x="2024034" y="142852"/>
-            <a:ext cx="8229600" cy="1344203"/>
-          </a:xfrm>
-        </p:spPr>
-        <p:txBody>
-          <a:bodyPr>
-            <a:normAutofit fontScale="90000"/>
-          </a:bodyPr>
-          <a:lstStyle/>
-          <a:p>
-            <a:pPr algn="ctr"/>
-            <a:r>
-              <a:rPr lang="en-US" dirty="0" err="1" smtClean="0"/>
-              <a:t>Lecciones</a:t>
-            </a:r>
-            <a:r>
-              <a:rPr lang="en-US" dirty="0" smtClean="0"/>
-              <a:t> </a:t>
-            </a:r>
-            <a:r>
-              <a:rPr lang="en-US" dirty="0" err="1" smtClean="0"/>
-              <a:t>aprendidas</a:t>
-            </a:r>
-            <a:r>
-              <a:rPr lang="en-US" dirty="0" smtClean="0"/>
-              <a:t> – Sprint #3</a:t>
-            </a:r>
-            <a:endParaRPr lang="es-AR" sz="3600" i="1" dirty="0"/>
-          </a:p>
-        </p:txBody>
-      </p:sp>
-      <p:sp>
-        <p:nvSpPr>
-          <p:cNvPr id="3" name="2 Marcador de contenido"/>
-          <p:cNvSpPr>
-            <a:spLocks noGrp="1"/>
-          </p:cNvSpPr>
-          <p:nvPr>
-            <p:ph idx="1"/>
-          </p:nvPr>
-        </p:nvSpPr>
-        <p:spPr>
-          <a:xfrm>
-            <a:off x="576943" y="1469571"/>
-            <a:ext cx="10907486" cy="4450939"/>
-          </a:xfrm>
-        </p:spPr>
-        <p:txBody>
-          <a:bodyPr>
-            <a:noAutofit/>
-          </a:bodyPr>
-          <a:lstStyle/>
-          <a:p>
-            <a:pPr marL="0" indent="0">
-              <a:buClr>
-                <a:srgbClr val="00B050"/>
-              </a:buClr>
-              <a:buFont typeface="Wingdings" pitchFamily="2" charset="2"/>
-              <a:buChar char="Ø"/>
-            </a:pPr>
-            <a:r>
-              <a:rPr lang="es-AR" sz="3200" dirty="0" smtClean="0"/>
-              <a:t>Realizar estimaciones con SP == 1 Hora o pasar a usar HH para poder usar estimaciones con números no enteros.</a:t>
-            </a:r>
-          </a:p>
-          <a:p>
-            <a:pPr marL="0" indent="0">
-              <a:buClr>
-                <a:srgbClr val="00B050"/>
-              </a:buClr>
-              <a:buFont typeface="Wingdings" pitchFamily="2" charset="2"/>
-              <a:buChar char="Ø"/>
-            </a:pPr>
-            <a:r>
-              <a:rPr lang="es-AR" sz="3200" dirty="0" smtClean="0"/>
-              <a:t>Crear </a:t>
-            </a:r>
-            <a:r>
-              <a:rPr lang="es-AR" sz="3200" dirty="0" err="1" smtClean="0"/>
-              <a:t>templates</a:t>
-            </a:r>
-            <a:r>
-              <a:rPr lang="es-AR" sz="3200" dirty="0" smtClean="0"/>
-              <a:t> para los documentos de pruebas funcionales.</a:t>
-            </a:r>
-          </a:p>
-          <a:p>
-            <a:pPr marL="0" indent="0">
-              <a:buClr>
-                <a:srgbClr val="00B050"/>
-              </a:buClr>
-              <a:buFont typeface="Wingdings" pitchFamily="2" charset="2"/>
-              <a:buChar char="Ø"/>
-            </a:pPr>
-            <a:r>
-              <a:rPr lang="en-US" sz="3200" dirty="0" smtClean="0"/>
-              <a:t>Responder </a:t>
-            </a:r>
-            <a:r>
-              <a:rPr lang="en-US" sz="3200" dirty="0" err="1" smtClean="0"/>
-              <a:t>más</a:t>
-            </a:r>
-            <a:r>
-              <a:rPr lang="en-US" sz="3200" dirty="0" smtClean="0"/>
-              <a:t> </a:t>
-            </a:r>
-            <a:r>
-              <a:rPr lang="en-US" sz="3200" dirty="0" err="1" smtClean="0"/>
-              <a:t>rápido</a:t>
-            </a:r>
-            <a:r>
-              <a:rPr lang="en-US" sz="3200" dirty="0" smtClean="0"/>
-              <a:t> a los e-mails del </a:t>
-            </a:r>
-            <a:r>
-              <a:rPr lang="en-US" sz="3200" dirty="0" err="1" smtClean="0"/>
-              <a:t>cliente</a:t>
-            </a:r>
-            <a:r>
-              <a:rPr lang="en-US" sz="3200" dirty="0" smtClean="0"/>
-              <a:t>. De </a:t>
-            </a:r>
-            <a:r>
-              <a:rPr lang="en-US" sz="3200" dirty="0" err="1" smtClean="0"/>
-              <a:t>otra</a:t>
-            </a:r>
-            <a:r>
-              <a:rPr lang="en-US" sz="3200" dirty="0" smtClean="0"/>
-              <a:t> forma, no </a:t>
-            </a:r>
-            <a:r>
-              <a:rPr lang="en-US" sz="3200" dirty="0" err="1" smtClean="0"/>
-              <a:t>esta</a:t>
-            </a:r>
-            <a:r>
-              <a:rPr lang="en-US" sz="3200" dirty="0" smtClean="0"/>
-              <a:t> </a:t>
-            </a:r>
-            <a:r>
-              <a:rPr lang="en-US" sz="3200" dirty="0" err="1" smtClean="0"/>
-              <a:t>seguro</a:t>
-            </a:r>
-            <a:r>
-              <a:rPr lang="en-US" sz="3200" dirty="0" smtClean="0"/>
-              <a:t> </a:t>
-            </a:r>
-            <a:r>
-              <a:rPr lang="en-US" sz="3200" dirty="0" err="1" smtClean="0"/>
-              <a:t>que</a:t>
-            </a:r>
-            <a:r>
-              <a:rPr lang="en-US" sz="3200" dirty="0" smtClean="0"/>
-              <a:t> el </a:t>
-            </a:r>
-            <a:r>
-              <a:rPr lang="en-US" sz="3200" dirty="0" err="1" smtClean="0"/>
-              <a:t>mismo</a:t>
-            </a:r>
-            <a:r>
-              <a:rPr lang="en-US" sz="3200" dirty="0" smtClean="0"/>
-              <a:t> </a:t>
-            </a:r>
-            <a:r>
-              <a:rPr lang="en-US" sz="3200" dirty="0" err="1" smtClean="0"/>
-              <a:t>llegó</a:t>
-            </a:r>
-            <a:r>
-              <a:rPr lang="en-US" sz="3200" dirty="0"/>
-              <a:t> </a:t>
-            </a:r>
-            <a:r>
-              <a:rPr lang="en-US" sz="3200" dirty="0" smtClean="0"/>
-              <a:t>y </a:t>
-            </a:r>
-            <a:r>
-              <a:rPr lang="en-US" sz="3200" dirty="0" err="1" smtClean="0"/>
-              <a:t>que</a:t>
-            </a:r>
-            <a:r>
-              <a:rPr lang="en-US" sz="3200" dirty="0" smtClean="0"/>
-              <a:t> </a:t>
-            </a:r>
-            <a:r>
-              <a:rPr lang="en-US" sz="3200" dirty="0" err="1" smtClean="0"/>
-              <a:t>vamos</a:t>
-            </a:r>
-            <a:r>
-              <a:rPr lang="en-US" sz="3200" dirty="0" smtClean="0"/>
-              <a:t> a </a:t>
-            </a:r>
-            <a:r>
-              <a:rPr lang="en-US" sz="3200" dirty="0" err="1" smtClean="0"/>
-              <a:t>hacer</a:t>
-            </a:r>
-            <a:r>
-              <a:rPr lang="en-US" sz="3200" dirty="0" smtClean="0"/>
-              <a:t> los </a:t>
-            </a:r>
-            <a:r>
-              <a:rPr lang="en-US" sz="3200" dirty="0" err="1" smtClean="0"/>
-              <a:t>cambios</a:t>
-            </a:r>
-            <a:r>
-              <a:rPr lang="en-US" sz="3200" dirty="0" smtClean="0"/>
-              <a:t> </a:t>
-            </a:r>
-            <a:r>
-              <a:rPr lang="en-US" sz="3200" dirty="0" err="1" smtClean="0"/>
-              <a:t>pedidos</a:t>
-            </a:r>
-            <a:r>
-              <a:rPr lang="en-US" sz="3200" dirty="0" smtClean="0"/>
-              <a:t>.</a:t>
-            </a:r>
-          </a:p>
-          <a:p>
-            <a:pPr marL="0" indent="0">
-              <a:buClr>
-                <a:srgbClr val="00B050"/>
-              </a:buClr>
-              <a:buFont typeface="Wingdings" pitchFamily="2" charset="2"/>
-              <a:buChar char="Ø"/>
-            </a:pPr>
-            <a:r>
-              <a:rPr lang="en-US" sz="3200" dirty="0" err="1" smtClean="0"/>
-              <a:t>Detallar</a:t>
-            </a:r>
-            <a:r>
-              <a:rPr lang="en-US" sz="3200" dirty="0" smtClean="0"/>
-              <a:t> </a:t>
-            </a:r>
-            <a:r>
-              <a:rPr lang="en-US" sz="3200" dirty="0" err="1" smtClean="0"/>
-              <a:t>pruebas</a:t>
-            </a:r>
-            <a:r>
-              <a:rPr lang="en-US" sz="3200" dirty="0" smtClean="0"/>
-              <a:t> </a:t>
-            </a:r>
-            <a:r>
-              <a:rPr lang="en-US" sz="3200" dirty="0" err="1" smtClean="0"/>
-              <a:t>funcionales</a:t>
-            </a:r>
-            <a:r>
-              <a:rPr lang="en-US" sz="3200" dirty="0" smtClean="0"/>
-              <a:t> </a:t>
-            </a:r>
-            <a:r>
-              <a:rPr lang="en-US" sz="3200" dirty="0" err="1" smtClean="0"/>
-              <a:t>más</a:t>
-            </a:r>
-            <a:r>
-              <a:rPr lang="en-US" sz="3200" dirty="0" smtClean="0"/>
-              <a:t> </a:t>
-            </a:r>
-            <a:r>
-              <a:rPr lang="en-US" sz="3200" dirty="0" err="1" smtClean="0"/>
-              <a:t>exhaustivas</a:t>
-            </a:r>
-            <a:r>
-              <a:rPr lang="en-US" sz="3200" dirty="0" smtClean="0"/>
-              <a:t> y </a:t>
-            </a:r>
-            <a:r>
-              <a:rPr lang="en-US" sz="3200" dirty="0" err="1" smtClean="0"/>
-              <a:t>hacer</a:t>
-            </a:r>
-            <a:r>
-              <a:rPr lang="en-US" sz="3200" dirty="0" smtClean="0"/>
-              <a:t> </a:t>
-            </a:r>
-            <a:r>
-              <a:rPr lang="en-US" sz="3200" dirty="0" err="1" smtClean="0"/>
-              <a:t>pruebas</a:t>
-            </a:r>
-            <a:r>
-              <a:rPr lang="en-US" sz="3200" dirty="0" smtClean="0"/>
-              <a:t> </a:t>
-            </a:r>
-            <a:r>
-              <a:rPr lang="en-US" sz="3200" dirty="0" err="1" smtClean="0"/>
-              <a:t>exploratorias</a:t>
-            </a:r>
-            <a:r>
-              <a:rPr lang="en-US" sz="3200" dirty="0" smtClean="0"/>
-              <a:t> lo antes </a:t>
-            </a:r>
-            <a:r>
-              <a:rPr lang="en-US" sz="3200" dirty="0" err="1" smtClean="0"/>
-              <a:t>posible</a:t>
-            </a:r>
-            <a:r>
-              <a:rPr lang="en-US" sz="3200" dirty="0" smtClean="0"/>
-              <a:t>.</a:t>
-            </a:r>
-          </a:p>
-          <a:p>
-            <a:pPr marL="0" indent="0">
-              <a:buClr>
-                <a:srgbClr val="00B050"/>
-              </a:buClr>
-              <a:buFont typeface="Wingdings" pitchFamily="2" charset="2"/>
-              <a:buChar char="Ø"/>
-            </a:pPr>
-            <a:r>
-              <a:rPr lang="en-US" sz="3200" dirty="0" err="1" smtClean="0"/>
-              <a:t>Agregar</a:t>
-            </a:r>
-            <a:r>
-              <a:rPr lang="en-US" sz="3200" dirty="0" smtClean="0"/>
-              <a:t> </a:t>
-            </a:r>
-            <a:r>
-              <a:rPr lang="en-US" sz="3200" dirty="0" err="1" smtClean="0"/>
-              <a:t>tareas</a:t>
-            </a:r>
-            <a:r>
-              <a:rPr lang="en-US" sz="3200" dirty="0" smtClean="0"/>
-              <a:t> </a:t>
-            </a:r>
-            <a:r>
-              <a:rPr lang="en-US" sz="3200" dirty="0" err="1" smtClean="0"/>
-              <a:t>las</a:t>
-            </a:r>
-            <a:r>
-              <a:rPr lang="en-US" sz="3200" dirty="0" smtClean="0"/>
-              <a:t> </a:t>
-            </a:r>
-            <a:r>
-              <a:rPr lang="en-US" sz="3200" dirty="0" err="1" smtClean="0"/>
-              <a:t>tareas</a:t>
-            </a:r>
-            <a:r>
-              <a:rPr lang="en-US" sz="3200" dirty="0" smtClean="0"/>
-              <a:t> de </a:t>
-            </a:r>
-            <a:r>
-              <a:rPr lang="en-US" sz="3200" dirty="0" err="1" smtClean="0"/>
-              <a:t>crear</a:t>
-            </a:r>
-            <a:r>
-              <a:rPr lang="en-US" sz="3200" dirty="0" smtClean="0"/>
-              <a:t> el </a:t>
-            </a:r>
-            <a:r>
-              <a:rPr lang="en-US" sz="3200" dirty="0" err="1" smtClean="0"/>
-              <a:t>análisis</a:t>
-            </a:r>
-            <a:r>
-              <a:rPr lang="en-US" sz="3200" dirty="0" smtClean="0"/>
-              <a:t> de </a:t>
-            </a:r>
-            <a:r>
-              <a:rPr lang="en-US" sz="3200" dirty="0" err="1" smtClean="0"/>
-              <a:t>métricas</a:t>
-            </a:r>
-            <a:r>
-              <a:rPr lang="en-US" sz="3200" dirty="0" smtClean="0"/>
-              <a:t> y los </a:t>
-            </a:r>
-            <a:r>
-              <a:rPr lang="en-US" sz="3200" dirty="0" err="1" smtClean="0"/>
-              <a:t>informes</a:t>
-            </a:r>
-            <a:r>
-              <a:rPr lang="en-US" sz="3200" dirty="0" smtClean="0"/>
-              <a:t> de </a:t>
-            </a:r>
-            <a:r>
-              <a:rPr lang="en-US" sz="3200" dirty="0" err="1" smtClean="0"/>
-              <a:t>avance</a:t>
-            </a:r>
-            <a:r>
-              <a:rPr lang="en-US" sz="3200" dirty="0"/>
-              <a:t> </a:t>
-            </a:r>
-            <a:r>
-              <a:rPr lang="en-US" sz="3200" dirty="0" smtClean="0"/>
-              <a:t>al backlog.</a:t>
-            </a:r>
-            <a:endParaRPr lang="es-AR" sz="3200" dirty="0" smtClean="0"/>
-          </a:p>
-        </p:txBody>
-      </p:sp>
-    </p:spTree>
-    <p:extLst>
-      <p:ext uri="{BB962C8B-B14F-4D97-AF65-F5344CB8AC3E}">
-        <p14:creationId xmlns:p14="http://schemas.microsoft.com/office/powerpoint/2010/main" val="3739559408"/>
-      </p:ext>
-    </p:extLst>
-  </p:cSld>
-  <p:clrMapOvr>
-    <a:masterClrMapping/>
-  </p:clrMapOvr>
-  <p:timing>
-    <p:tnLst>
-      <p:par>
-        <p:cTn id="1" dur="indefinite" restart="never" nodeType="tmRoot"/>
-      </p:par>
-    </p:tnLst>
-  </p:timing>
-</p:sld>
-</file>
-
-<file path=ppt/slides/slide8.xml><?xml version="1.0" encoding="utf-8"?>
-<p:sld xmlns:a="http://schemas.openxmlformats.org/drawingml/2006/main" xmlns:r="http://schemas.openxmlformats.org/officeDocument/2006/relationships" xmlns:p="http://schemas.openxmlformats.org/presentationml/2006/main">
-  <p:cSld>
-    <p:spTree>
-      <p:nvGrpSpPr>
-        <p:cNvPr id="1" name=""/>
-        <p:cNvGrpSpPr/>
-        <p:nvPr/>
-      </p:nvGrpSpPr>
-      <p:grpSpPr>
-        <a:xfrm>
-          <a:off x="0" y="0"/>
-          <a:ext cx="0" cy="0"/>
-          <a:chOff x="0" y="0"/>
-          <a:chExt cx="0" cy="0"/>
-        </a:xfrm>
-      </p:grpSpPr>
-      <p:sp>
-        <p:nvSpPr>
-          <p:cNvPr id="2" name="Title 1"/>
-          <p:cNvSpPr>
-            <a:spLocks noGrp="1"/>
-          </p:cNvSpPr>
-          <p:nvPr>
-            <p:ph type="title"/>
-          </p:nvPr>
-        </p:nvSpPr>
-        <p:spPr>
-          <a:xfrm>
-            <a:off x="667130" y="259388"/>
-            <a:ext cx="10772775" cy="1658198"/>
-          </a:xfrm>
-        </p:spPr>
-        <p:txBody>
-          <a:bodyPr/>
-          <a:lstStyle/>
-          <a:p>
-            <a:pPr algn="ctr"/>
-            <a:r>
-              <a:rPr lang="es-AR" dirty="0" smtClean="0"/>
-              <a:t>Lecciones aprendidas – Sprint #4</a:t>
-            </a:r>
-            <a:endParaRPr lang="es-AR" dirty="0"/>
-          </a:p>
-        </p:txBody>
-      </p:sp>
-      <p:sp>
-        <p:nvSpPr>
-          <p:cNvPr id="5" name="2 Marcador de contenido"/>
-          <p:cNvSpPr>
-            <a:spLocks noGrp="1"/>
-          </p:cNvSpPr>
-          <p:nvPr>
-            <p:ph idx="1"/>
-          </p:nvPr>
-        </p:nvSpPr>
-        <p:spPr>
-          <a:xfrm>
-            <a:off x="676656" y="1838036"/>
-            <a:ext cx="10753725" cy="4738255"/>
-          </a:xfrm>
-        </p:spPr>
-        <p:txBody>
-          <a:bodyPr>
-            <a:noAutofit/>
-          </a:bodyPr>
-          <a:lstStyle/>
-          <a:p>
-            <a:pPr lvl="0">
-              <a:buClr>
-                <a:srgbClr val="00B050"/>
-              </a:buClr>
-              <a:buFont typeface="Wingdings" panose="05000000000000000000" pitchFamily="2" charset="2"/>
-              <a:buChar char="Ø"/>
-            </a:pPr>
-            <a:r>
-              <a:rPr lang="es-AR" sz="3200" dirty="0" smtClean="0"/>
-              <a:t>Pruebas Funcionales - No usar palabras técnicas, o en inglés. Aclarar con mayor detalle los pasos a seguir.</a:t>
-            </a:r>
-          </a:p>
-          <a:p>
-            <a:pPr lvl="0">
-              <a:buClr>
-                <a:srgbClr val="00B050"/>
-              </a:buClr>
-              <a:buFont typeface="Wingdings" panose="05000000000000000000" pitchFamily="2" charset="2"/>
-              <a:buChar char="Ø"/>
-            </a:pPr>
-            <a:endParaRPr lang="es-AR" sz="3200" dirty="0" smtClean="0"/>
-          </a:p>
-          <a:p>
-            <a:pPr lvl="0">
-              <a:buClr>
-                <a:srgbClr val="00B050"/>
-              </a:buClr>
-              <a:buFont typeface="Wingdings" panose="05000000000000000000" pitchFamily="2" charset="2"/>
-              <a:buChar char="Ø"/>
-            </a:pPr>
-            <a:r>
-              <a:rPr lang="es-AR" sz="3200" dirty="0" smtClean="0"/>
-              <a:t>Identificación de Tareas – Es positivo tener tareas atómicas, pero se debe tener cuidado para que no cambie mucho el alcance. Faltó identificar tareas en el comienzo del sprint.</a:t>
-            </a:r>
-          </a:p>
-          <a:p>
-            <a:pPr lvl="0">
-              <a:buClr>
-                <a:srgbClr val="00B050"/>
-              </a:buClr>
-              <a:buFont typeface="Wingdings" panose="05000000000000000000" pitchFamily="2" charset="2"/>
-              <a:buChar char="Ø"/>
-            </a:pPr>
-            <a:endParaRPr lang="es-AR" sz="3200" dirty="0" smtClean="0"/>
-          </a:p>
-          <a:p>
-            <a:pPr lvl="0">
-              <a:buClr>
-                <a:srgbClr val="00B050"/>
-              </a:buClr>
-              <a:buFont typeface="Wingdings" panose="05000000000000000000" pitchFamily="2" charset="2"/>
-              <a:buChar char="Ø"/>
-            </a:pPr>
-            <a:r>
-              <a:rPr lang="es-AR" sz="3200" dirty="0" smtClean="0"/>
-              <a:t>Documento REST API – Fue fundamental para la comunicación del equipo.</a:t>
-            </a:r>
-          </a:p>
-          <a:p>
-            <a:pPr lvl="3">
-              <a:buClr>
-                <a:srgbClr val="00B050"/>
-              </a:buClr>
-            </a:pPr>
-            <a:endParaRPr lang="es-AR" sz="2600" dirty="0" smtClean="0"/>
-          </a:p>
-        </p:txBody>
-      </p:sp>
-    </p:spTree>
-    <p:extLst>
-      <p:ext uri="{BB962C8B-B14F-4D97-AF65-F5344CB8AC3E}">
-        <p14:creationId xmlns:p14="http://schemas.microsoft.com/office/powerpoint/2010/main" val="3121502745"/>
-      </p:ext>
-    </p:extLst>
-  </p:cSld>
-  <p:clrMapOvr>
-    <a:masterClrMapping/>
-  </p:clrMapOvr>
-  <p:timing>
-    <p:tnLst>
-      <p:par>
-        <p:cTn id="1" dur="indefinite" restart="never" nodeType="tmRoot"/>
-      </p:par>
-    </p:tnLst>
-  </p:timing>
-</p:sld>
-</file>
-
-<file path=ppt/slides/slide9.xml><?xml version="1.0" encoding="utf-8"?>
-<p:sld xmlns:a="http://schemas.openxmlformats.org/drawingml/2006/main" xmlns:r="http://schemas.openxmlformats.org/officeDocument/2006/relationships" xmlns:p="http://schemas.openxmlformats.org/presentationml/2006/main">
-  <p:cSld>
-    <p:spTree>
-      <p:nvGrpSpPr>
-        <p:cNvPr id="1" name=""/>
-        <p:cNvGrpSpPr/>
-        <p:nvPr/>
-      </p:nvGrpSpPr>
-      <p:grpSpPr>
-        <a:xfrm>
-          <a:off x="0" y="0"/>
-          <a:ext cx="0" cy="0"/>
-          <a:chOff x="0" y="0"/>
-          <a:chExt cx="0" cy="0"/>
-        </a:xfrm>
-      </p:grpSpPr>
-      <p:sp>
-        <p:nvSpPr>
-          <p:cNvPr id="2" name="Title 1"/>
-          <p:cNvSpPr>
-            <a:spLocks noGrp="1"/>
-          </p:cNvSpPr>
-          <p:nvPr>
-            <p:ph type="title"/>
-          </p:nvPr>
-        </p:nvSpPr>
-        <p:spPr>
-          <a:xfrm>
-            <a:off x="667130" y="259388"/>
-            <a:ext cx="10772775" cy="1658198"/>
-          </a:xfrm>
-        </p:spPr>
-        <p:txBody>
-          <a:bodyPr/>
-          <a:lstStyle/>
-          <a:p>
-            <a:pPr algn="ctr"/>
-            <a:r>
-              <a:rPr lang="es-AR" dirty="0" smtClean="0"/>
-              <a:t>Lecciones aprendidas – Sprint #5</a:t>
-            </a:r>
-            <a:endParaRPr lang="es-AR" dirty="0"/>
-          </a:p>
-        </p:txBody>
-      </p:sp>
-      <p:sp>
-        <p:nvSpPr>
-          <p:cNvPr id="5" name="2 Marcador de contenido"/>
-          <p:cNvSpPr>
-            <a:spLocks noGrp="1"/>
-          </p:cNvSpPr>
-          <p:nvPr>
-            <p:ph idx="1"/>
-          </p:nvPr>
-        </p:nvSpPr>
-        <p:spPr>
-          <a:xfrm>
-            <a:off x="676656" y="1838036"/>
-            <a:ext cx="10753725" cy="4738255"/>
-          </a:xfrm>
-        </p:spPr>
-        <p:txBody>
-          <a:bodyPr>
-            <a:noAutofit/>
-          </a:bodyPr>
-          <a:lstStyle/>
-          <a:p>
-            <a:pPr lvl="0">
-              <a:buClr>
-                <a:srgbClr val="00B050"/>
-              </a:buClr>
-              <a:buFont typeface="Wingdings" panose="05000000000000000000" pitchFamily="2" charset="2"/>
-              <a:buChar char="Ø"/>
-            </a:pPr>
-            <a:r>
-              <a:rPr lang="es-AR" sz="3200" dirty="0" smtClean="0"/>
-              <a:t>Fue fundamental la gestión de los riesgos (</a:t>
-            </a:r>
-            <a:r>
-              <a:rPr lang="es-AR" sz="3200" dirty="0" err="1" smtClean="0"/>
-              <a:t>exámen</a:t>
-            </a:r>
-            <a:r>
-              <a:rPr lang="es-AR" sz="3200" dirty="0" smtClean="0"/>
-              <a:t>) para poder terminar el proyecto cumpliendo con el cliente</a:t>
-            </a:r>
-          </a:p>
-          <a:p>
-            <a:pPr lvl="0">
-              <a:buClr>
-                <a:srgbClr val="00B050"/>
-              </a:buClr>
-              <a:buFont typeface="Wingdings" panose="05000000000000000000" pitchFamily="2" charset="2"/>
-              <a:buChar char="Ø"/>
-            </a:pPr>
-            <a:endParaRPr lang="es-AR" sz="2600" dirty="0"/>
-          </a:p>
-          <a:p>
-            <a:pPr lvl="0">
-              <a:buClr>
-                <a:srgbClr val="00B050"/>
-              </a:buClr>
-              <a:buFont typeface="Wingdings" panose="05000000000000000000" pitchFamily="2" charset="2"/>
-              <a:buChar char="Ø"/>
-            </a:pPr>
-            <a:r>
-              <a:rPr lang="en-US" sz="3200" dirty="0" err="1" smtClean="0"/>
-              <a:t>Faltó</a:t>
-            </a:r>
-            <a:r>
-              <a:rPr lang="en-US" sz="3200" dirty="0" smtClean="0"/>
-              <a:t> </a:t>
-            </a:r>
-            <a:r>
-              <a:rPr lang="en-US" sz="3200" dirty="0" err="1" smtClean="0"/>
-              <a:t>agregar</a:t>
-            </a:r>
-            <a:r>
-              <a:rPr lang="en-US" sz="3200" dirty="0" smtClean="0"/>
-              <a:t> spike para </a:t>
-            </a:r>
-            <a:r>
-              <a:rPr lang="en-US" sz="3200" dirty="0" err="1" smtClean="0"/>
-              <a:t>creación</a:t>
-            </a:r>
-            <a:r>
-              <a:rPr lang="en-US" sz="3200" dirty="0" smtClean="0"/>
-              <a:t> de reports en </a:t>
-            </a:r>
-            <a:r>
-              <a:rPr lang="en-US" sz="3200" dirty="0" err="1" smtClean="0"/>
-              <a:t>formato</a:t>
-            </a:r>
-            <a:r>
-              <a:rPr lang="en-US" sz="3200" dirty="0" smtClean="0"/>
-              <a:t> PDF</a:t>
-            </a:r>
-            <a:endParaRPr lang="es-AR" sz="4000" dirty="0" smtClean="0"/>
-          </a:p>
-        </p:txBody>
-      </p:sp>
-    </p:spTree>
-    <p:extLst>
-      <p:ext uri="{BB962C8B-B14F-4D97-AF65-F5344CB8AC3E}">
-        <p14:creationId xmlns:p14="http://schemas.microsoft.com/office/powerpoint/2010/main" val="4094428205"/>
       </p:ext>
     </p:extLst>
   </p:cSld>
